--- a/study.pptx
+++ b/study.pptx
@@ -133,6 +133,11 @@
       </a:defRPr>
     </a:lvl9pPr>
   </p:defaultTextStyle>
+  <p:extLst>
+    <p:ext uri="{EFAFB233-063F-42B5-8137-9DF3F51BA10A}">
+      <p15:sldGuideLst xmlns:p15="http://schemas.microsoft.com/office/powerpoint/2012/main"/>
+    </p:ext>
+  </p:extLst>
 </p:presentation>
 </file>
 
@@ -10116,7 +10121,7 @@
         </p:blipFill>
         <p:spPr>
           <a:xfrm>
-            <a:off x="0" y="1"/>
+            <a:off x="2291136" y="0"/>
             <a:ext cx="7139587" cy="6858000"/>
           </a:xfrm>
           <a:prstGeom prst="rect">

--- a/study.pptx
+++ b/study.pptx
@@ -223,7 +223,7 @@
           <a:p>
             <a:fld id="{3992E5F9-7F26-4A4E-85EC-7CC0B1CF8A16}" type="datetimeFigureOut">
               <a:rPr kumimoji="1" lang="zh-CN" altLang="en-US" smtClean="0"/>
-              <a:t>2018/6/15</a:t>
+              <a:t>2018/6/21</a:t>
             </a:fld>
             <a:endParaRPr kumimoji="1" lang="zh-CN" altLang="en-US"/>
           </a:p>
@@ -780,7 +780,7 @@
           <a:p>
             <a:fld id="{6AC0D86E-2DC1-DD48-AC0B-72EA00D1F9EE}" type="datetimeFigureOut">
               <a:rPr kumimoji="1" lang="zh-CN" altLang="en-US" smtClean="0"/>
-              <a:t>2018/6/15</a:t>
+              <a:t>2018/6/21</a:t>
             </a:fld>
             <a:endParaRPr kumimoji="1" lang="zh-CN" altLang="en-US"/>
           </a:p>
@@ -953,7 +953,7 @@
           <a:p>
             <a:fld id="{6AC0D86E-2DC1-DD48-AC0B-72EA00D1F9EE}" type="datetimeFigureOut">
               <a:rPr kumimoji="1" lang="zh-CN" altLang="en-US" smtClean="0"/>
-              <a:t>2018/6/15</a:t>
+              <a:t>2018/6/21</a:t>
             </a:fld>
             <a:endParaRPr kumimoji="1" lang="zh-CN" altLang="en-US"/>
           </a:p>
@@ -1136,7 +1136,7 @@
           <a:p>
             <a:fld id="{6AC0D86E-2DC1-DD48-AC0B-72EA00D1F9EE}" type="datetimeFigureOut">
               <a:rPr kumimoji="1" lang="zh-CN" altLang="en-US" smtClean="0"/>
-              <a:t>2018/6/15</a:t>
+              <a:t>2018/6/21</a:t>
             </a:fld>
             <a:endParaRPr kumimoji="1" lang="zh-CN" altLang="en-US"/>
           </a:p>
@@ -1309,7 +1309,7 @@
           <a:p>
             <a:fld id="{6AC0D86E-2DC1-DD48-AC0B-72EA00D1F9EE}" type="datetimeFigureOut">
               <a:rPr kumimoji="1" lang="zh-CN" altLang="en-US" smtClean="0"/>
-              <a:t>2018/6/15</a:t>
+              <a:t>2018/6/21</a:t>
             </a:fld>
             <a:endParaRPr kumimoji="1" lang="zh-CN" altLang="en-US"/>
           </a:p>
@@ -1587,7 +1587,7 @@
           <a:p>
             <a:fld id="{6AC0D86E-2DC1-DD48-AC0B-72EA00D1F9EE}" type="datetimeFigureOut">
               <a:rPr kumimoji="1" lang="zh-CN" altLang="en-US" smtClean="0"/>
-              <a:t>2018/6/15</a:t>
+              <a:t>2018/6/21</a:t>
             </a:fld>
             <a:endParaRPr kumimoji="1" lang="zh-CN" altLang="en-US"/>
           </a:p>
@@ -1802,7 +1802,7 @@
           <a:p>
             <a:fld id="{6AC0D86E-2DC1-DD48-AC0B-72EA00D1F9EE}" type="datetimeFigureOut">
               <a:rPr kumimoji="1" lang="zh-CN" altLang="en-US" smtClean="0"/>
-              <a:t>2018/6/15</a:t>
+              <a:t>2018/6/21</a:t>
             </a:fld>
             <a:endParaRPr kumimoji="1" lang="zh-CN" altLang="en-US"/>
           </a:p>
@@ -2170,7 +2170,7 @@
           <a:p>
             <a:fld id="{6AC0D86E-2DC1-DD48-AC0B-72EA00D1F9EE}" type="datetimeFigureOut">
               <a:rPr kumimoji="1" lang="zh-CN" altLang="en-US" smtClean="0"/>
-              <a:t>2018/6/15</a:t>
+              <a:t>2018/6/21</a:t>
             </a:fld>
             <a:endParaRPr kumimoji="1" lang="zh-CN" altLang="en-US"/>
           </a:p>
@@ -2311,7 +2311,7 @@
           <a:p>
             <a:fld id="{6AC0D86E-2DC1-DD48-AC0B-72EA00D1F9EE}" type="datetimeFigureOut">
               <a:rPr kumimoji="1" lang="zh-CN" altLang="en-US" smtClean="0"/>
-              <a:t>2018/6/15</a:t>
+              <a:t>2018/6/21</a:t>
             </a:fld>
             <a:endParaRPr kumimoji="1" lang="zh-CN" altLang="en-US"/>
           </a:p>
@@ -2424,7 +2424,7 @@
           <a:p>
             <a:fld id="{6AC0D86E-2DC1-DD48-AC0B-72EA00D1F9EE}" type="datetimeFigureOut">
               <a:rPr kumimoji="1" lang="zh-CN" altLang="en-US" smtClean="0"/>
-              <a:t>2018/6/15</a:t>
+              <a:t>2018/6/21</a:t>
             </a:fld>
             <a:endParaRPr kumimoji="1" lang="zh-CN" altLang="en-US"/>
           </a:p>
@@ -2713,7 +2713,7 @@
           <a:p>
             <a:fld id="{6AC0D86E-2DC1-DD48-AC0B-72EA00D1F9EE}" type="datetimeFigureOut">
               <a:rPr kumimoji="1" lang="zh-CN" altLang="en-US" smtClean="0"/>
-              <a:t>2018/6/15</a:t>
+              <a:t>2018/6/21</a:t>
             </a:fld>
             <a:endParaRPr kumimoji="1" lang="zh-CN" altLang="en-US"/>
           </a:p>
@@ -3004,7 +3004,7 @@
           <a:p>
             <a:fld id="{6AC0D86E-2DC1-DD48-AC0B-72EA00D1F9EE}" type="datetimeFigureOut">
               <a:rPr kumimoji="1" lang="zh-CN" altLang="en-US" smtClean="0"/>
-              <a:t>2018/6/15</a:t>
+              <a:t>2018/6/21</a:t>
             </a:fld>
             <a:endParaRPr kumimoji="1" lang="zh-CN" altLang="en-US"/>
           </a:p>
@@ -3220,7 +3220,7 @@
           <a:p>
             <a:fld id="{6AC0D86E-2DC1-DD48-AC0B-72EA00D1F9EE}" type="datetimeFigureOut">
               <a:rPr kumimoji="1" lang="zh-CN" altLang="en-US" smtClean="0"/>
-              <a:t>2018/6/15</a:t>
+              <a:t>2018/6/21</a:t>
             </a:fld>
             <a:endParaRPr kumimoji="1" lang="zh-CN" altLang="en-US"/>
           </a:p>
@@ -8335,6 +8335,16 @@
 <file path=ppt/slides/slide26.xml><?xml version="1.0" encoding="utf-8"?>
 <p:sld xmlns:a="http://schemas.openxmlformats.org/drawingml/2006/main" xmlns:r="http://schemas.openxmlformats.org/officeDocument/2006/relationships" xmlns:p="http://schemas.openxmlformats.org/presentationml/2006/main">
   <p:cSld>
+    <p:bg>
+      <p:bgPr>
+        <a:solidFill>
+          <a:schemeClr val="bg2">
+            <a:lumMod val="25000"/>
+          </a:schemeClr>
+        </a:solidFill>
+        <a:effectLst/>
+      </p:bgPr>
+    </p:bg>
     <p:spTree>
       <p:nvGrpSpPr>
         <p:cNvPr id="1" name=""/>
@@ -8371,11 +8381,19 @@
           <a:lstStyle/>
           <a:p>
             <a:r>
-              <a:rPr kumimoji="1" lang="en-US" altLang="zh-CN" dirty="0"/>
+              <a:rPr kumimoji="1" lang="en-US" altLang="zh-CN" dirty="0">
+                <a:solidFill>
+                  <a:schemeClr val="bg1"/>
+                </a:solidFill>
+              </a:rPr>
               <a:t>5</a:t>
             </a:r>
             <a:r>
-              <a:rPr kumimoji="1" lang="zh-CN" altLang="en-US" dirty="0"/>
+              <a:rPr kumimoji="1" lang="zh-CN" altLang="en-US" dirty="0">
+                <a:solidFill>
+                  <a:schemeClr val="bg1"/>
+                </a:solidFill>
+              </a:rPr>
               <a:t>并发协程</a:t>
             </a:r>
           </a:p>
@@ -8403,24 +8421,72 @@
           <a:lstStyle/>
           <a:p>
             <a:r>
-              <a:rPr kumimoji="1" lang="zh-CN" altLang="en-US" dirty="0"/>
+              <a:rPr kumimoji="1" lang="zh-CN" altLang="en-US" dirty="0">
+                <a:solidFill>
+                  <a:schemeClr val="bg1"/>
+                </a:solidFill>
+              </a:rPr>
               <a:t>关键字 </a:t>
             </a:r>
             <a:r>
-              <a:rPr kumimoji="1" lang="en-US" altLang="zh-CN" dirty="0"/>
+              <a:rPr kumimoji="1" lang="en-US" altLang="zh-CN" dirty="0">
+                <a:solidFill>
+                  <a:schemeClr val="bg1"/>
+                </a:solidFill>
+              </a:rPr>
               <a:t>go </a:t>
             </a:r>
             <a:r>
-              <a:rPr kumimoji="1" lang="zh-CN" altLang="en-US" dirty="0"/>
+              <a:rPr kumimoji="1" lang="zh-CN" altLang="en-US" dirty="0">
+                <a:solidFill>
+                  <a:schemeClr val="bg1"/>
+                </a:solidFill>
+              </a:rPr>
               <a:t>函数名</a:t>
             </a:r>
             <a:r>
-              <a:rPr kumimoji="1" lang="en-US" altLang="zh-CN" dirty="0"/>
+              <a:rPr kumimoji="1" lang="en-US" altLang="zh-CN" dirty="0">
+                <a:solidFill>
+                  <a:schemeClr val="bg1"/>
+                </a:solidFill>
+              </a:rPr>
               <a:t>()</a:t>
             </a:r>
           </a:p>
           <a:p>
-            <a:endParaRPr kumimoji="1" lang="en-US" altLang="zh-CN" dirty="0"/>
+            <a:r>
+              <a:rPr kumimoji="1" lang="en-US" altLang="zh-CN" dirty="0">
+                <a:solidFill>
+                  <a:schemeClr val="bg1"/>
+                </a:solidFill>
+              </a:rPr>
+              <a:t>goroutine</a:t>
+            </a:r>
+          </a:p>
+          <a:p>
+            <a:r>
+              <a:rPr kumimoji="1" lang="en-US" altLang="zh-CN" dirty="0">
+                <a:solidFill>
+                  <a:schemeClr val="bg1"/>
+                </a:solidFill>
+              </a:rPr>
+              <a:t>Channel</a:t>
+            </a:r>
+          </a:p>
+          <a:p>
+            <a:r>
+              <a:rPr kumimoji="1" lang="zh-CN" altLang="en-US" dirty="0">
+                <a:solidFill>
+                  <a:schemeClr val="bg1"/>
+                </a:solidFill>
+              </a:rPr>
+              <a:t>并发思想</a:t>
+            </a:r>
+            <a:endParaRPr kumimoji="1" lang="en-US" altLang="zh-CN" dirty="0">
+              <a:solidFill>
+                <a:schemeClr val="bg1"/>
+              </a:solidFill>
+            </a:endParaRPr>
           </a:p>
         </p:txBody>
       </p:sp>
@@ -8440,6 +8506,16 @@
 <file path=ppt/slides/slide27.xml><?xml version="1.0" encoding="utf-8"?>
 <p:sld xmlns:a="http://schemas.openxmlformats.org/drawingml/2006/main" xmlns:r="http://schemas.openxmlformats.org/officeDocument/2006/relationships" xmlns:p="http://schemas.openxmlformats.org/presentationml/2006/main">
   <p:cSld>
+    <p:bg>
+      <p:bgPr>
+        <a:solidFill>
+          <a:schemeClr val="bg2">
+            <a:lumMod val="25000"/>
+          </a:schemeClr>
+        </a:solidFill>
+        <a:effectLst/>
+      </p:bgPr>
+    </p:bg>
     <p:spTree>
       <p:nvGrpSpPr>
         <p:cNvPr id="1" name=""/>
@@ -8476,8 +8552,12 @@
           <a:lstStyle/>
           <a:p>
             <a:r>
-              <a:rPr kumimoji="1" lang="zh-CN" altLang="en-US" dirty="0"/>
-              <a:t>四、系统包</a:t>
+              <a:rPr kumimoji="1" lang="zh-CN" altLang="en-US" dirty="0">
+                <a:solidFill>
+                  <a:schemeClr val="bg1"/>
+                </a:solidFill>
+              </a:rPr>
+              <a:t>四、面向对象</a:t>
             </a:r>
           </a:p>
         </p:txBody>
@@ -8503,7 +8583,106 @@
           <a:bodyPr/>
           <a:lstStyle/>
           <a:p>
-            <a:endParaRPr kumimoji="1" lang="zh-CN" altLang="en-US" dirty="0"/>
+            <a:r>
+              <a:rPr kumimoji="1" lang="en-US" altLang="zh-CN" dirty="0">
+                <a:solidFill>
+                  <a:schemeClr val="bg1"/>
+                </a:solidFill>
+              </a:rPr>
+              <a:t>1.struct</a:t>
+            </a:r>
+          </a:p>
+          <a:p>
+            <a:r>
+              <a:rPr kumimoji="1" lang="en-US" altLang="zh-CN" dirty="0">
+                <a:solidFill>
+                  <a:schemeClr val="bg1"/>
+                </a:solidFill>
+              </a:rPr>
+              <a:t>2.</a:t>
+            </a:r>
+            <a:r>
+              <a:rPr kumimoji="1" lang="zh-CN" altLang="en-US" dirty="0">
+                <a:solidFill>
+                  <a:schemeClr val="bg1"/>
+                </a:solidFill>
+              </a:rPr>
+              <a:t>实例化方法</a:t>
+            </a:r>
+            <a:endParaRPr kumimoji="1" lang="en-US" altLang="zh-CN" dirty="0">
+              <a:solidFill>
+                <a:schemeClr val="bg1"/>
+              </a:solidFill>
+            </a:endParaRPr>
+          </a:p>
+          <a:p>
+            <a:r>
+              <a:rPr kumimoji="1" lang="en-US" altLang="zh-CN" dirty="0">
+                <a:solidFill>
+                  <a:schemeClr val="bg1"/>
+                </a:solidFill>
+              </a:rPr>
+              <a:t>3.</a:t>
+            </a:r>
+            <a:r>
+              <a:rPr kumimoji="1" lang="zh-CN" altLang="en-US" dirty="0">
+                <a:solidFill>
+                  <a:schemeClr val="bg1"/>
+                </a:solidFill>
+              </a:rPr>
+              <a:t>继承</a:t>
+            </a:r>
+            <a:endParaRPr kumimoji="1" lang="en-US" altLang="zh-CN" dirty="0">
+              <a:solidFill>
+                <a:schemeClr val="bg1"/>
+              </a:solidFill>
+            </a:endParaRPr>
+          </a:p>
+          <a:p>
+            <a:r>
+              <a:rPr kumimoji="1" lang="en-US" altLang="zh-CN" dirty="0">
+                <a:solidFill>
+                  <a:schemeClr val="bg1"/>
+                </a:solidFill>
+              </a:rPr>
+              <a:t>4.</a:t>
+            </a:r>
+            <a:r>
+              <a:rPr kumimoji="1" lang="zh-CN" altLang="en-US" dirty="0">
+                <a:solidFill>
+                  <a:schemeClr val="bg1"/>
+                </a:solidFill>
+              </a:rPr>
+              <a:t>重写</a:t>
+            </a:r>
+            <a:endParaRPr kumimoji="1" lang="en-US" altLang="zh-CN" dirty="0">
+              <a:solidFill>
+                <a:schemeClr val="bg1"/>
+              </a:solidFill>
+            </a:endParaRPr>
+          </a:p>
+          <a:p>
+            <a:r>
+              <a:rPr kumimoji="1" lang="en-US" altLang="zh-CN" dirty="0">
+                <a:solidFill>
+                  <a:schemeClr val="bg1"/>
+                </a:solidFill>
+              </a:rPr>
+              <a:t>5.</a:t>
+            </a:r>
+            <a:r>
+              <a:rPr kumimoji="1" lang="zh-CN" altLang="en-US" dirty="0">
+                <a:solidFill>
+                  <a:schemeClr val="bg1"/>
+                </a:solidFill>
+              </a:rPr>
+              <a:t>多肽</a:t>
+            </a:r>
+            <a:endParaRPr kumimoji="1" lang="en-US" altLang="zh-CN" dirty="0">
+              <a:solidFill>
+                <a:schemeClr val="bg1"/>
+              </a:solidFill>
+            </a:endParaRPr>
           </a:p>
         </p:txBody>
       </p:sp>

--- a/study.pptx
+++ b/study.pptx
@@ -5,7 +5,7 @@
     <p:sldMasterId id="2147483648" r:id="rId1"/>
   </p:sldMasterIdLst>
   <p:notesMasterIdLst>
-    <p:notesMasterId r:id="rId29"/>
+    <p:notesMasterId r:id="rId30"/>
   </p:notesMasterIdLst>
   <p:sldIdLst>
     <p:sldId id="256" r:id="rId2"/>
@@ -26,15 +26,16 @@
     <p:sldId id="266" r:id="rId17"/>
     <p:sldId id="274" r:id="rId18"/>
     <p:sldId id="275" r:id="rId19"/>
-    <p:sldId id="267" r:id="rId20"/>
-    <p:sldId id="268" r:id="rId21"/>
-    <p:sldId id="270" r:id="rId22"/>
-    <p:sldId id="269" r:id="rId23"/>
-    <p:sldId id="271" r:id="rId24"/>
-    <p:sldId id="272" r:id="rId25"/>
-    <p:sldId id="273" r:id="rId26"/>
-    <p:sldId id="282" r:id="rId27"/>
-    <p:sldId id="281" r:id="rId28"/>
+    <p:sldId id="283" r:id="rId20"/>
+    <p:sldId id="267" r:id="rId21"/>
+    <p:sldId id="268" r:id="rId22"/>
+    <p:sldId id="270" r:id="rId23"/>
+    <p:sldId id="269" r:id="rId24"/>
+    <p:sldId id="271" r:id="rId25"/>
+    <p:sldId id="272" r:id="rId26"/>
+    <p:sldId id="273" r:id="rId27"/>
+    <p:sldId id="282" r:id="rId28"/>
+    <p:sldId id="281" r:id="rId29"/>
   </p:sldIdLst>
   <p:sldSz cx="12192000" cy="6858000"/>
   <p:notesSz cx="6858000" cy="9144000"/>
@@ -223,7 +224,7 @@
           <a:p>
             <a:fld id="{3992E5F9-7F26-4A4E-85EC-7CC0B1CF8A16}" type="datetimeFigureOut">
               <a:rPr kumimoji="1" lang="zh-CN" altLang="en-US" smtClean="0"/>
-              <a:t>2018/6/21</a:t>
+              <a:t>2018/6/26</a:t>
             </a:fld>
             <a:endParaRPr kumimoji="1" lang="zh-CN" altLang="en-US"/>
           </a:p>
@@ -780,7 +781,7 @@
           <a:p>
             <a:fld id="{6AC0D86E-2DC1-DD48-AC0B-72EA00D1F9EE}" type="datetimeFigureOut">
               <a:rPr kumimoji="1" lang="zh-CN" altLang="en-US" smtClean="0"/>
-              <a:t>2018/6/21</a:t>
+              <a:t>2018/6/26</a:t>
             </a:fld>
             <a:endParaRPr kumimoji="1" lang="zh-CN" altLang="en-US"/>
           </a:p>
@@ -953,7 +954,7 @@
           <a:p>
             <a:fld id="{6AC0D86E-2DC1-DD48-AC0B-72EA00D1F9EE}" type="datetimeFigureOut">
               <a:rPr kumimoji="1" lang="zh-CN" altLang="en-US" smtClean="0"/>
-              <a:t>2018/6/21</a:t>
+              <a:t>2018/6/26</a:t>
             </a:fld>
             <a:endParaRPr kumimoji="1" lang="zh-CN" altLang="en-US"/>
           </a:p>
@@ -1136,7 +1137,7 @@
           <a:p>
             <a:fld id="{6AC0D86E-2DC1-DD48-AC0B-72EA00D1F9EE}" type="datetimeFigureOut">
               <a:rPr kumimoji="1" lang="zh-CN" altLang="en-US" smtClean="0"/>
-              <a:t>2018/6/21</a:t>
+              <a:t>2018/6/26</a:t>
             </a:fld>
             <a:endParaRPr kumimoji="1" lang="zh-CN" altLang="en-US"/>
           </a:p>
@@ -1309,7 +1310,7 @@
           <a:p>
             <a:fld id="{6AC0D86E-2DC1-DD48-AC0B-72EA00D1F9EE}" type="datetimeFigureOut">
               <a:rPr kumimoji="1" lang="zh-CN" altLang="en-US" smtClean="0"/>
-              <a:t>2018/6/21</a:t>
+              <a:t>2018/6/26</a:t>
             </a:fld>
             <a:endParaRPr kumimoji="1" lang="zh-CN" altLang="en-US"/>
           </a:p>
@@ -1587,7 +1588,7 @@
           <a:p>
             <a:fld id="{6AC0D86E-2DC1-DD48-AC0B-72EA00D1F9EE}" type="datetimeFigureOut">
               <a:rPr kumimoji="1" lang="zh-CN" altLang="en-US" smtClean="0"/>
-              <a:t>2018/6/21</a:t>
+              <a:t>2018/6/26</a:t>
             </a:fld>
             <a:endParaRPr kumimoji="1" lang="zh-CN" altLang="en-US"/>
           </a:p>
@@ -1802,7 +1803,7 @@
           <a:p>
             <a:fld id="{6AC0D86E-2DC1-DD48-AC0B-72EA00D1F9EE}" type="datetimeFigureOut">
               <a:rPr kumimoji="1" lang="zh-CN" altLang="en-US" smtClean="0"/>
-              <a:t>2018/6/21</a:t>
+              <a:t>2018/6/26</a:t>
             </a:fld>
             <a:endParaRPr kumimoji="1" lang="zh-CN" altLang="en-US"/>
           </a:p>
@@ -2170,7 +2171,7 @@
           <a:p>
             <a:fld id="{6AC0D86E-2DC1-DD48-AC0B-72EA00D1F9EE}" type="datetimeFigureOut">
               <a:rPr kumimoji="1" lang="zh-CN" altLang="en-US" smtClean="0"/>
-              <a:t>2018/6/21</a:t>
+              <a:t>2018/6/26</a:t>
             </a:fld>
             <a:endParaRPr kumimoji="1" lang="zh-CN" altLang="en-US"/>
           </a:p>
@@ -2311,7 +2312,7 @@
           <a:p>
             <a:fld id="{6AC0D86E-2DC1-DD48-AC0B-72EA00D1F9EE}" type="datetimeFigureOut">
               <a:rPr kumimoji="1" lang="zh-CN" altLang="en-US" smtClean="0"/>
-              <a:t>2018/6/21</a:t>
+              <a:t>2018/6/26</a:t>
             </a:fld>
             <a:endParaRPr kumimoji="1" lang="zh-CN" altLang="en-US"/>
           </a:p>
@@ -2424,7 +2425,7 @@
           <a:p>
             <a:fld id="{6AC0D86E-2DC1-DD48-AC0B-72EA00D1F9EE}" type="datetimeFigureOut">
               <a:rPr kumimoji="1" lang="zh-CN" altLang="en-US" smtClean="0"/>
-              <a:t>2018/6/21</a:t>
+              <a:t>2018/6/26</a:t>
             </a:fld>
             <a:endParaRPr kumimoji="1" lang="zh-CN" altLang="en-US"/>
           </a:p>
@@ -2713,7 +2714,7 @@
           <a:p>
             <a:fld id="{6AC0D86E-2DC1-DD48-AC0B-72EA00D1F9EE}" type="datetimeFigureOut">
               <a:rPr kumimoji="1" lang="zh-CN" altLang="en-US" smtClean="0"/>
-              <a:t>2018/6/21</a:t>
+              <a:t>2018/6/26</a:t>
             </a:fld>
             <a:endParaRPr kumimoji="1" lang="zh-CN" altLang="en-US"/>
           </a:p>
@@ -3004,7 +3005,7 @@
           <a:p>
             <a:fld id="{6AC0D86E-2DC1-DD48-AC0B-72EA00D1F9EE}" type="datetimeFigureOut">
               <a:rPr kumimoji="1" lang="zh-CN" altLang="en-US" smtClean="0"/>
-              <a:t>2018/6/21</a:t>
+              <a:t>2018/6/26</a:t>
             </a:fld>
             <a:endParaRPr kumimoji="1" lang="zh-CN" altLang="en-US"/>
           </a:p>
@@ -3220,7 +3221,7 @@
           <a:p>
             <a:fld id="{6AC0D86E-2DC1-DD48-AC0B-72EA00D1F9EE}" type="datetimeFigureOut">
               <a:rPr kumimoji="1" lang="zh-CN" altLang="en-US" smtClean="0"/>
-              <a:t>2018/6/21</a:t>
+              <a:t>2018/6/26</a:t>
             </a:fld>
             <a:endParaRPr kumimoji="1" lang="zh-CN" altLang="en-US"/>
           </a:p>
@@ -5911,6 +5912,40 @@
             </a:endParaRPr>
           </a:p>
           <a:p>
+            <a:r>
+              <a:rPr kumimoji="1" lang="zh-CN" altLang="en-US" dirty="0">
+                <a:solidFill>
+                  <a:schemeClr val="bg1"/>
+                </a:solidFill>
+              </a:rPr>
+              <a:t>文章地址</a:t>
+            </a:r>
+            <a:r>
+              <a:rPr kumimoji="1" lang="en-US" altLang="zh-CN" dirty="0">
+                <a:solidFill>
+                  <a:schemeClr val="bg1"/>
+                </a:solidFill>
+              </a:rPr>
+              <a:t>:https://</a:t>
+            </a:r>
+            <a:r>
+              <a:rPr kumimoji="1" lang="en-US" altLang="zh-CN" dirty="0" err="1">
+                <a:solidFill>
+                  <a:schemeClr val="bg1"/>
+                </a:solidFill>
+              </a:rPr>
+              <a:t>studygolang.com</a:t>
+            </a:r>
+            <a:r>
+              <a:rPr kumimoji="1" lang="en-US" altLang="zh-CN" dirty="0">
+                <a:solidFill>
+                  <a:schemeClr val="bg1"/>
+                </a:solidFill>
+              </a:rPr>
+              <a:t>/articles/6557</a:t>
+            </a:r>
+          </a:p>
+          <a:p>
             <a:pPr marL="0" indent="0">
               <a:buNone/>
             </a:pPr>
@@ -6284,7 +6319,7 @@
           <p:cNvPr id="2" name="标题 1">
             <a:extLst>
               <a:ext uri="{FF2B5EF4-FFF2-40B4-BE49-F238E27FC236}">
-                <a16:creationId xmlns:a16="http://schemas.microsoft.com/office/drawing/2014/main" id="{62256063-3EBD-1247-AD71-639A51AF5133}"/>
+                <a16:creationId xmlns:a16="http://schemas.microsoft.com/office/drawing/2014/main" id="{D0163818-4C33-7942-B7C3-C60C2BFCB6DD}"/>
               </a:ext>
             </a:extLst>
           </p:cNvPr>
@@ -6301,13 +6336,18 @@
           <a:lstStyle/>
           <a:p>
             <a:r>
-              <a:rPr kumimoji="1" lang="zh-CN" altLang="en-US" dirty="0">
-                <a:solidFill>
-                  <a:schemeClr val="bg1"/>
-                </a:solidFill>
-              </a:rPr>
-              <a:t>常量</a:t>
-            </a:r>
+              <a:rPr kumimoji="1" lang="en-US" altLang="zh-CN" dirty="0">
+                <a:solidFill>
+                  <a:schemeClr val="bg1"/>
+                </a:solidFill>
+              </a:rPr>
+              <a:t>Interface{}</a:t>
+            </a:r>
+            <a:endParaRPr kumimoji="1" lang="zh-CN" altLang="en-US" dirty="0">
+              <a:solidFill>
+                <a:schemeClr val="bg1"/>
+              </a:solidFill>
+            </a:endParaRPr>
           </a:p>
         </p:txBody>
       </p:sp>
@@ -6316,7 +6356,7 @@
           <p:cNvPr id="3" name="内容占位符 2">
             <a:extLst>
               <a:ext uri="{FF2B5EF4-FFF2-40B4-BE49-F238E27FC236}">
-                <a16:creationId xmlns:a16="http://schemas.microsoft.com/office/drawing/2014/main" id="{29576C7C-9C7A-DB47-964E-B0E74A04DE5A}"/>
+                <a16:creationId xmlns:a16="http://schemas.microsoft.com/office/drawing/2014/main" id="{70A02FC0-CC30-B54D-8C27-DC972D035C4E}"/>
               </a:ext>
             </a:extLst>
           </p:cNvPr>
@@ -6327,118 +6367,81 @@
             <p:ph idx="1"/>
           </p:nvPr>
         </p:nvSpPr>
-        <p:spPr/>
+        <p:spPr>
+          <a:xfrm>
+            <a:off x="838200" y="1504348"/>
+            <a:ext cx="10515600" cy="5057090"/>
+          </a:xfrm>
+        </p:spPr>
         <p:txBody>
           <a:bodyPr/>
           <a:lstStyle/>
           <a:p>
             <a:r>
-              <a:rPr lang="en" altLang="zh-CN" dirty="0" err="1">
-                <a:solidFill>
-                  <a:schemeClr val="bg1"/>
-                </a:solidFill>
-              </a:rPr>
-              <a:t>const</a:t>
-            </a:r>
-            <a:r>
-              <a:rPr lang="en" altLang="zh-CN" dirty="0">
-                <a:solidFill>
-                  <a:schemeClr val="bg1"/>
-                </a:solidFill>
-              </a:rPr>
-              <a:t> LENGTH </a:t>
-            </a:r>
-            <a:r>
-              <a:rPr lang="en" altLang="zh-CN" dirty="0" err="1">
-                <a:solidFill>
-                  <a:schemeClr val="bg1"/>
-                </a:solidFill>
-              </a:rPr>
-              <a:t>int</a:t>
-            </a:r>
-            <a:r>
-              <a:rPr lang="en" altLang="zh-CN" dirty="0">
-                <a:solidFill>
-                  <a:schemeClr val="bg1"/>
-                </a:solidFill>
-              </a:rPr>
-              <a:t> = 10 </a:t>
-            </a:r>
-          </a:p>
-          <a:p>
-            <a:r>
-              <a:rPr lang="en" altLang="zh-CN" dirty="0" err="1">
-                <a:solidFill>
-                  <a:schemeClr val="bg1"/>
-                </a:solidFill>
-              </a:rPr>
-              <a:t>const</a:t>
-            </a:r>
-            <a:r>
-              <a:rPr lang="en" altLang="zh-CN" dirty="0">
-                <a:solidFill>
-                  <a:schemeClr val="bg1"/>
-                </a:solidFill>
-              </a:rPr>
-              <a:t> WIDTH </a:t>
-            </a:r>
-            <a:r>
-              <a:rPr lang="en" altLang="zh-CN" dirty="0" err="1">
-                <a:solidFill>
-                  <a:schemeClr val="bg1"/>
-                </a:solidFill>
-              </a:rPr>
-              <a:t>int</a:t>
-            </a:r>
-            <a:r>
-              <a:rPr lang="en" altLang="zh-CN" dirty="0">
-                <a:solidFill>
-                  <a:schemeClr val="bg1"/>
-                </a:solidFill>
-              </a:rPr>
-              <a:t> = 5 </a:t>
-            </a:r>
-          </a:p>
-          <a:p>
-            <a:r>
-              <a:rPr lang="en" altLang="zh-CN" dirty="0" err="1">
-                <a:solidFill>
-                  <a:schemeClr val="bg1"/>
-                </a:solidFill>
-              </a:rPr>
-              <a:t>const</a:t>
-            </a:r>
-            <a:r>
-              <a:rPr lang="en" altLang="zh-CN" dirty="0">
-                <a:solidFill>
-                  <a:schemeClr val="bg1"/>
-                </a:solidFill>
-              </a:rPr>
-              <a:t> a, b, c = 1, false, "</a:t>
-            </a:r>
-            <a:r>
-              <a:rPr lang="en" altLang="zh-CN" dirty="0" err="1">
-                <a:solidFill>
-                  <a:schemeClr val="bg1"/>
-                </a:solidFill>
-              </a:rPr>
-              <a:t>str</a:t>
-            </a:r>
-            <a:r>
-              <a:rPr lang="en" altLang="zh-CN" dirty="0">
-                <a:solidFill>
-                  <a:schemeClr val="bg1"/>
-                </a:solidFill>
-              </a:rPr>
-              <a:t>" //</a:t>
-            </a:r>
+              <a:rPr kumimoji="1" lang="zh-CN" altLang="en-US" dirty="0">
+                <a:solidFill>
+                  <a:schemeClr val="bg1"/>
+                </a:solidFill>
+              </a:rPr>
+              <a:t>接口、存放变量、方法集</a:t>
+            </a:r>
+            <a:endParaRPr kumimoji="1" lang="en-US" altLang="zh-CN" dirty="0">
+              <a:solidFill>
+                <a:schemeClr val="bg1"/>
+              </a:solidFill>
+            </a:endParaRPr>
+          </a:p>
+          <a:p>
+            <a:r>
+              <a:rPr kumimoji="1" lang="zh-CN" altLang="en-US" dirty="0">
+                <a:solidFill>
+                  <a:schemeClr val="bg1"/>
+                </a:solidFill>
+              </a:rPr>
+              <a:t>可以存放多种类型</a:t>
+            </a:r>
+            <a:endParaRPr kumimoji="1" lang="en-US" altLang="zh-CN" dirty="0">
+              <a:solidFill>
+                <a:schemeClr val="bg1"/>
+              </a:solidFill>
+            </a:endParaRPr>
+          </a:p>
+          <a:p>
+            <a:endParaRPr kumimoji="1" lang="en-US" altLang="zh-CN" dirty="0">
+              <a:solidFill>
+                <a:schemeClr val="bg1"/>
+              </a:solidFill>
+            </a:endParaRPr>
+          </a:p>
+          <a:p>
+            <a:endParaRPr kumimoji="1" lang="en-US" altLang="zh-CN" dirty="0">
+              <a:solidFill>
+                <a:schemeClr val="bg1"/>
+              </a:solidFill>
+            </a:endParaRPr>
+          </a:p>
+          <a:p>
+            <a:endParaRPr kumimoji="1" lang="en-US" altLang="zh-CN" dirty="0">
+              <a:solidFill>
+                <a:schemeClr val="bg1"/>
+              </a:solidFill>
+            </a:endParaRPr>
+          </a:p>
+          <a:p>
+            <a:endParaRPr kumimoji="1" lang="en-US" altLang="zh-CN" dirty="0">
+              <a:solidFill>
+                <a:schemeClr val="bg1"/>
+              </a:solidFill>
+            </a:endParaRPr>
+          </a:p>
+          <a:p>
             <a:r>
               <a:rPr lang="zh-CN" altLang="en-US" dirty="0">
                 <a:solidFill>
                   <a:schemeClr val="bg1"/>
                 </a:solidFill>
               </a:rPr>
-              <a:t>多重赋值</a:t>
+              <a:t>“可以处理任何未知数据类型”的能力、</a:t>
             </a:r>
             <a:endParaRPr lang="en-US" altLang="zh-CN" dirty="0">
               <a:solidFill>
@@ -6447,48 +6450,17 @@
             </a:endParaRPr>
           </a:p>
           <a:p>
-            <a:endParaRPr kumimoji="1" lang="en-US" altLang="zh-CN" dirty="0">
-              <a:solidFill>
-                <a:schemeClr val="bg1"/>
-              </a:solidFill>
-            </a:endParaRPr>
-          </a:p>
-          <a:p>
-            <a:r>
-              <a:rPr kumimoji="1" lang="zh-CN" altLang="en-US" dirty="0">
-                <a:solidFill>
-                  <a:schemeClr val="bg1"/>
-                </a:solidFill>
-              </a:rPr>
-              <a:t>文档地址：</a:t>
-            </a:r>
-            <a:r>
-              <a:rPr kumimoji="1" lang="en" altLang="zh-CN" dirty="0">
-                <a:solidFill>
-                  <a:schemeClr val="bg1"/>
-                </a:solidFill>
-              </a:rPr>
-              <a:t> </a:t>
-            </a:r>
-            <a:r>
-              <a:rPr kumimoji="1" lang="en" altLang="zh-CN" dirty="0">
-                <a:solidFill>
-                  <a:schemeClr val="bg1"/>
-                </a:solidFill>
-                <a:hlinkClick r:id="rId2"/>
-              </a:rPr>
-              <a:t>http://www.runoob.com/go/go-constants.html</a:t>
-            </a:r>
-            <a:endParaRPr kumimoji="1" lang="en" altLang="zh-CN" dirty="0">
-              <a:solidFill>
-                <a:schemeClr val="bg1"/>
-              </a:solidFill>
-            </a:endParaRPr>
-          </a:p>
-          <a:p>
             <a:pPr marL="0" indent="0">
               <a:buNone/>
             </a:pPr>
+            <a:r>
+              <a:rPr lang="zh-CN" altLang="en-US" dirty="0">
+                <a:solidFill>
+                  <a:schemeClr val="bg1"/>
+                </a:solidFill>
+              </a:rPr>
+              <a:t>实现多态</a:t>
+            </a:r>
             <a:endParaRPr kumimoji="1" lang="zh-CN" altLang="en-US" dirty="0">
               <a:solidFill>
                 <a:schemeClr val="bg1"/>
@@ -6497,10 +6469,70 @@
           </a:p>
         </p:txBody>
       </p:sp>
+      <p:pic>
+        <p:nvPicPr>
+          <p:cNvPr id="4" name="图片 3">
+            <a:extLst>
+              <a:ext uri="{FF2B5EF4-FFF2-40B4-BE49-F238E27FC236}">
+                <a16:creationId xmlns:a16="http://schemas.microsoft.com/office/drawing/2014/main" id="{9B40352B-1911-5846-B24A-EACAE00F1753}"/>
+              </a:ext>
+            </a:extLst>
+          </p:cNvPr>
+          <p:cNvPicPr>
+            <a:picLocks noChangeAspect="1"/>
+          </p:cNvPicPr>
+          <p:nvPr/>
+        </p:nvPicPr>
+        <p:blipFill>
+          <a:blip r:embed="rId2"/>
+          <a:stretch>
+            <a:fillRect/>
+          </a:stretch>
+        </p:blipFill>
+        <p:spPr>
+          <a:xfrm>
+            <a:off x="546100" y="2449663"/>
+            <a:ext cx="5918200" cy="1676400"/>
+          </a:xfrm>
+          <a:prstGeom prst="rect">
+            <a:avLst/>
+          </a:prstGeom>
+        </p:spPr>
+      </p:pic>
+      <p:pic>
+        <p:nvPicPr>
+          <p:cNvPr id="5" name="图片 4">
+            <a:extLst>
+              <a:ext uri="{FF2B5EF4-FFF2-40B4-BE49-F238E27FC236}">
+                <a16:creationId xmlns:a16="http://schemas.microsoft.com/office/drawing/2014/main" id="{27390A67-A46B-A743-A87C-B4835BE6BA66}"/>
+              </a:ext>
+            </a:extLst>
+          </p:cNvPr>
+          <p:cNvPicPr>
+            <a:picLocks noChangeAspect="1"/>
+          </p:cNvPicPr>
+          <p:nvPr/>
+        </p:nvPicPr>
+        <p:blipFill>
+          <a:blip r:embed="rId3"/>
+          <a:stretch>
+            <a:fillRect/>
+          </a:stretch>
+        </p:blipFill>
+        <p:spPr>
+          <a:xfrm>
+            <a:off x="7302500" y="3039762"/>
+            <a:ext cx="4889500" cy="3657600"/>
+          </a:xfrm>
+          <a:prstGeom prst="rect">
+            <a:avLst/>
+          </a:prstGeom>
+        </p:spPr>
+      </p:pic>
     </p:spTree>
     <p:extLst>
       <p:ext uri="{BB962C8B-B14F-4D97-AF65-F5344CB8AC3E}">
-        <p14:creationId xmlns:p14="http://schemas.microsoft.com/office/powerpoint/2010/main" val="2892895075"/>
+        <p14:creationId xmlns:p14="http://schemas.microsoft.com/office/powerpoint/2010/main" val="1052301069"/>
       </p:ext>
     </p:extLst>
   </p:cSld>
@@ -6723,7 +6755,7 @@
           <p:cNvPr id="2" name="标题 1">
             <a:extLst>
               <a:ext uri="{FF2B5EF4-FFF2-40B4-BE49-F238E27FC236}">
-                <a16:creationId xmlns:a16="http://schemas.microsoft.com/office/drawing/2014/main" id="{D11098DD-593D-D146-BD95-C20A8782507C}"/>
+                <a16:creationId xmlns:a16="http://schemas.microsoft.com/office/drawing/2014/main" id="{62256063-3EBD-1247-AD71-639A51AF5133}"/>
               </a:ext>
             </a:extLst>
           </p:cNvPr>
@@ -6740,20 +6772,12 @@
           <a:lstStyle/>
           <a:p>
             <a:r>
-              <a:rPr kumimoji="1" lang="en-US" altLang="zh-CN" dirty="0">
-                <a:solidFill>
-                  <a:schemeClr val="bg1"/>
-                </a:solidFill>
-              </a:rPr>
-              <a:t>2.</a:t>
-            </a:r>
-            <a:r>
-              <a:rPr kumimoji="1" lang="zh-CN" altLang="en-US" dirty="0">
-                <a:solidFill>
-                  <a:schemeClr val="bg1"/>
-                </a:solidFill>
-              </a:rPr>
-              <a:t>运算符</a:t>
+              <a:rPr kumimoji="1" lang="zh-CN" altLang="en-US" dirty="0">
+                <a:solidFill>
+                  <a:schemeClr val="bg1"/>
+                </a:solidFill>
+              </a:rPr>
+              <a:t>常量</a:t>
             </a:r>
           </a:p>
         </p:txBody>
@@ -6763,7 +6787,7 @@
           <p:cNvPr id="3" name="内容占位符 2">
             <a:extLst>
               <a:ext uri="{FF2B5EF4-FFF2-40B4-BE49-F238E27FC236}">
-                <a16:creationId xmlns:a16="http://schemas.microsoft.com/office/drawing/2014/main" id="{4FA71C4B-6BF5-A14F-931F-810FF20E5536}"/>
+                <a16:creationId xmlns:a16="http://schemas.microsoft.com/office/drawing/2014/main" id="{29576C7C-9C7A-DB47-964E-B0E74A04DE5A}"/>
               </a:ext>
             </a:extLst>
           </p:cNvPr>
@@ -6780,245 +6804,120 @@
           <a:lstStyle/>
           <a:p>
             <a:r>
-              <a:rPr kumimoji="1" lang="zh-CN" altLang="en-US" dirty="0">
-                <a:solidFill>
-                  <a:schemeClr val="bg1"/>
-                </a:solidFill>
-              </a:rPr>
-              <a:t>算术运算符</a:t>
-            </a:r>
-            <a:r>
-              <a:rPr kumimoji="1" lang="en-US" altLang="zh-CN" dirty="0">
-                <a:solidFill>
-                  <a:schemeClr val="bg1"/>
-                </a:solidFill>
-              </a:rPr>
-              <a:t>: </a:t>
-            </a:r>
-            <a:r>
-              <a:rPr kumimoji="1" lang="zh-CN" altLang="en-US" dirty="0">
-                <a:solidFill>
-                  <a:schemeClr val="bg1"/>
-                </a:solidFill>
-              </a:rPr>
-              <a:t>跟</a:t>
-            </a:r>
-            <a:r>
-              <a:rPr kumimoji="1" lang="en-US" altLang="zh-CN" dirty="0" err="1">
-                <a:solidFill>
-                  <a:schemeClr val="bg1"/>
-                </a:solidFill>
-              </a:rPr>
-              <a:t>php</a:t>
-            </a:r>
-            <a:r>
-              <a:rPr kumimoji="1" lang="zh-CN" altLang="en-US" dirty="0">
-                <a:solidFill>
-                  <a:schemeClr val="bg1"/>
-                </a:solidFill>
-              </a:rPr>
-              <a:t>一样 </a:t>
-            </a:r>
-            <a:r>
-              <a:rPr kumimoji="1" lang="en-US" altLang="zh-CN" dirty="0">
-                <a:solidFill>
-                  <a:schemeClr val="bg1"/>
-                </a:solidFill>
-              </a:rPr>
-              <a:t> + - * / % ++ --</a:t>
-            </a:r>
-          </a:p>
-          <a:p>
-            <a:r>
-              <a:rPr kumimoji="1" lang="zh-CN" altLang="en-US" dirty="0">
-                <a:solidFill>
-                  <a:schemeClr val="bg1"/>
-                </a:solidFill>
-              </a:rPr>
-              <a:t>关系运算符</a:t>
-            </a:r>
-            <a:r>
-              <a:rPr kumimoji="1" lang="en-US" altLang="zh-CN" dirty="0">
-                <a:solidFill>
-                  <a:schemeClr val="bg1"/>
-                </a:solidFill>
-              </a:rPr>
-              <a:t>: </a:t>
-            </a:r>
-            <a:r>
-              <a:rPr kumimoji="1" lang="zh-CN" altLang="en-US" dirty="0">
-                <a:solidFill>
-                  <a:schemeClr val="bg1"/>
-                </a:solidFill>
-              </a:rPr>
-              <a:t>跟</a:t>
-            </a:r>
-            <a:r>
-              <a:rPr kumimoji="1" lang="en-US" altLang="zh-CN" dirty="0" err="1">
-                <a:solidFill>
-                  <a:schemeClr val="bg1"/>
-                </a:solidFill>
-              </a:rPr>
-              <a:t>php</a:t>
-            </a:r>
-            <a:r>
-              <a:rPr kumimoji="1" lang="zh-CN" altLang="en-US" dirty="0">
-                <a:solidFill>
-                  <a:schemeClr val="bg1"/>
-                </a:solidFill>
-              </a:rPr>
-              <a:t>一样</a:t>
-            </a:r>
-            <a:r>
-              <a:rPr kumimoji="1" lang="en-US" altLang="zh-CN" dirty="0">
-                <a:solidFill>
-                  <a:schemeClr val="bg1"/>
-                </a:solidFill>
-              </a:rPr>
-              <a:t> ==  !=  &gt;  &lt;  &gt;=  &lt;=</a:t>
-            </a:r>
-          </a:p>
-          <a:p>
-            <a:r>
-              <a:rPr kumimoji="1" lang="zh-CN" altLang="en-US" dirty="0">
-                <a:solidFill>
-                  <a:schemeClr val="bg1"/>
-                </a:solidFill>
-              </a:rPr>
-              <a:t>逻辑运算符</a:t>
-            </a:r>
-            <a:r>
-              <a:rPr kumimoji="1" lang="en-US" altLang="zh-CN" dirty="0">
-                <a:solidFill>
-                  <a:schemeClr val="bg1"/>
-                </a:solidFill>
-              </a:rPr>
-              <a:t>:</a:t>
-            </a:r>
-            <a:r>
-              <a:rPr kumimoji="1" lang="zh-CN" altLang="en-US" dirty="0">
-                <a:solidFill>
-                  <a:schemeClr val="bg1"/>
-                </a:solidFill>
-              </a:rPr>
-              <a:t> 跟</a:t>
-            </a:r>
-            <a:r>
-              <a:rPr kumimoji="1" lang="en-US" altLang="zh-CN" dirty="0" err="1">
-                <a:solidFill>
-                  <a:schemeClr val="bg1"/>
-                </a:solidFill>
-              </a:rPr>
-              <a:t>php</a:t>
-            </a:r>
-            <a:r>
-              <a:rPr kumimoji="1" lang="zh-CN" altLang="en-US" dirty="0">
-                <a:solidFill>
-                  <a:schemeClr val="bg1"/>
-                </a:solidFill>
-              </a:rPr>
-              <a:t>一样 </a:t>
-            </a:r>
-            <a:r>
-              <a:rPr kumimoji="1" lang="en-US" altLang="zh-CN" dirty="0">
-                <a:solidFill>
-                  <a:schemeClr val="bg1"/>
-                </a:solidFill>
-              </a:rPr>
-              <a:t>&amp;&amp; || !</a:t>
-            </a:r>
-          </a:p>
-          <a:p>
-            <a:r>
-              <a:rPr kumimoji="1" lang="zh-CN" altLang="en-US" dirty="0">
-                <a:solidFill>
-                  <a:schemeClr val="bg1"/>
-                </a:solidFill>
-              </a:rPr>
-              <a:t>位运算符</a:t>
-            </a:r>
-            <a:r>
-              <a:rPr kumimoji="1" lang="en-US" altLang="zh-CN" dirty="0">
-                <a:solidFill>
-                  <a:schemeClr val="bg1"/>
-                </a:solidFill>
-              </a:rPr>
-              <a:t>: </a:t>
-            </a:r>
-            <a:r>
-              <a:rPr kumimoji="1" lang="zh-CN" altLang="en-US" dirty="0">
-                <a:solidFill>
-                  <a:schemeClr val="bg1"/>
-                </a:solidFill>
-              </a:rPr>
-              <a:t>跟</a:t>
-            </a:r>
-            <a:r>
-              <a:rPr kumimoji="1" lang="en-US" altLang="zh-CN" dirty="0" err="1">
-                <a:solidFill>
-                  <a:schemeClr val="bg1"/>
-                </a:solidFill>
-              </a:rPr>
-              <a:t>php</a:t>
-            </a:r>
-            <a:r>
-              <a:rPr kumimoji="1" lang="zh-CN" altLang="en-US" dirty="0">
-                <a:solidFill>
-                  <a:schemeClr val="bg1"/>
-                </a:solidFill>
-              </a:rPr>
-              <a:t>一样</a:t>
-            </a:r>
-            <a:r>
-              <a:rPr kumimoji="1" lang="en-US" altLang="zh-CN" dirty="0">
-                <a:solidFill>
-                  <a:schemeClr val="bg1"/>
-                </a:solidFill>
-              </a:rPr>
-              <a:t> &amp; | ^  &lt;&lt; &gt;&gt;</a:t>
-            </a:r>
-          </a:p>
-          <a:p>
-            <a:r>
-              <a:rPr kumimoji="1" lang="zh-CN" altLang="en-US" dirty="0">
-                <a:solidFill>
-                  <a:schemeClr val="bg1"/>
-                </a:solidFill>
-              </a:rPr>
-              <a:t>赋值运算符</a:t>
-            </a:r>
-            <a:r>
-              <a:rPr kumimoji="1" lang="en-US" altLang="zh-CN" dirty="0">
-                <a:solidFill>
-                  <a:schemeClr val="bg1"/>
-                </a:solidFill>
-              </a:rPr>
-              <a:t>:</a:t>
-            </a:r>
-            <a:r>
-              <a:rPr kumimoji="1" lang="zh-CN" altLang="en-US" dirty="0">
-                <a:solidFill>
-                  <a:schemeClr val="bg1"/>
-                </a:solidFill>
-              </a:rPr>
-              <a:t>跟</a:t>
-            </a:r>
-            <a:r>
-              <a:rPr kumimoji="1" lang="en-US" altLang="zh-CN" dirty="0" err="1">
-                <a:solidFill>
-                  <a:schemeClr val="bg1"/>
-                </a:solidFill>
-              </a:rPr>
-              <a:t>php</a:t>
-            </a:r>
-            <a:r>
-              <a:rPr kumimoji="1" lang="zh-CN" altLang="en-US" dirty="0">
-                <a:solidFill>
-                  <a:schemeClr val="bg1"/>
-                </a:solidFill>
-              </a:rPr>
-              <a:t>一样 </a:t>
-            </a:r>
+              <a:rPr lang="en" altLang="zh-CN" dirty="0" err="1">
+                <a:solidFill>
+                  <a:schemeClr val="bg1"/>
+                </a:solidFill>
+              </a:rPr>
+              <a:t>const</a:t>
+            </a:r>
+            <a:r>
+              <a:rPr lang="en" altLang="zh-CN" dirty="0">
+                <a:solidFill>
+                  <a:schemeClr val="bg1"/>
+                </a:solidFill>
+              </a:rPr>
+              <a:t> LENGTH </a:t>
+            </a:r>
+            <a:r>
+              <a:rPr lang="en" altLang="zh-CN" dirty="0" err="1">
+                <a:solidFill>
+                  <a:schemeClr val="bg1"/>
+                </a:solidFill>
+              </a:rPr>
+              <a:t>int</a:t>
+            </a:r>
+            <a:r>
+              <a:rPr lang="en" altLang="zh-CN" dirty="0">
+                <a:solidFill>
+                  <a:schemeClr val="bg1"/>
+                </a:solidFill>
+              </a:rPr>
+              <a:t> = 10 </a:t>
+            </a:r>
+          </a:p>
+          <a:p>
+            <a:r>
+              <a:rPr lang="en" altLang="zh-CN" dirty="0" err="1">
+                <a:solidFill>
+                  <a:schemeClr val="bg1"/>
+                </a:solidFill>
+              </a:rPr>
+              <a:t>const</a:t>
+            </a:r>
+            <a:r>
+              <a:rPr lang="en" altLang="zh-CN" dirty="0">
+                <a:solidFill>
+                  <a:schemeClr val="bg1"/>
+                </a:solidFill>
+              </a:rPr>
+              <a:t> WIDTH </a:t>
+            </a:r>
+            <a:r>
+              <a:rPr lang="en" altLang="zh-CN" dirty="0" err="1">
+                <a:solidFill>
+                  <a:schemeClr val="bg1"/>
+                </a:solidFill>
+              </a:rPr>
+              <a:t>int</a:t>
+            </a:r>
+            <a:r>
+              <a:rPr lang="en" altLang="zh-CN" dirty="0">
+                <a:solidFill>
+                  <a:schemeClr val="bg1"/>
+                </a:solidFill>
+              </a:rPr>
+              <a:t> = 5 </a:t>
+            </a:r>
+          </a:p>
+          <a:p>
+            <a:r>
+              <a:rPr lang="en" altLang="zh-CN" dirty="0" err="1">
+                <a:solidFill>
+                  <a:schemeClr val="bg1"/>
+                </a:solidFill>
+              </a:rPr>
+              <a:t>const</a:t>
+            </a:r>
+            <a:r>
+              <a:rPr lang="en" altLang="zh-CN" dirty="0">
+                <a:solidFill>
+                  <a:schemeClr val="bg1"/>
+                </a:solidFill>
+              </a:rPr>
+              <a:t> a, b, c = 1, false, "</a:t>
+            </a:r>
+            <a:r>
+              <a:rPr lang="en" altLang="zh-CN" dirty="0" err="1">
+                <a:solidFill>
+                  <a:schemeClr val="bg1"/>
+                </a:solidFill>
+              </a:rPr>
+              <a:t>str</a:t>
+            </a:r>
+            <a:r>
+              <a:rPr lang="en" altLang="zh-CN" dirty="0">
+                <a:solidFill>
+                  <a:schemeClr val="bg1"/>
+                </a:solidFill>
+              </a:rPr>
+              <a:t>" //</a:t>
+            </a:r>
+            <a:r>
+              <a:rPr lang="zh-CN" altLang="en-US" dirty="0">
+                <a:solidFill>
+                  <a:schemeClr val="bg1"/>
+                </a:solidFill>
+              </a:rPr>
+              <a:t>多重赋值</a:t>
+            </a:r>
+            <a:endParaRPr lang="en-US" altLang="zh-CN" dirty="0">
+              <a:solidFill>
+                <a:schemeClr val="bg1"/>
+              </a:solidFill>
+            </a:endParaRPr>
+          </a:p>
+          <a:p>
             <a:endParaRPr kumimoji="1" lang="en-US" altLang="zh-CN" dirty="0">
               <a:solidFill>
                 <a:schemeClr val="bg1"/>
@@ -7032,73 +6931,26 @@
                   <a:schemeClr val="bg1"/>
                 </a:solidFill>
               </a:rPr>
-              <a:t>其他运算符</a:t>
-            </a:r>
-            <a:r>
-              <a:rPr kumimoji="1" lang="en-US" altLang="zh-CN" dirty="0">
-                <a:solidFill>
-                  <a:schemeClr val="bg1"/>
-                </a:solidFill>
-              </a:rPr>
-              <a:t>: &amp;</a:t>
-            </a:r>
-            <a:r>
-              <a:rPr kumimoji="1" lang="zh-CN" altLang="en-US" dirty="0">
-                <a:solidFill>
-                  <a:schemeClr val="bg1"/>
-                </a:solidFill>
-              </a:rPr>
-              <a:t>返回变量存储地址</a:t>
-            </a:r>
-            <a:r>
-              <a:rPr kumimoji="1" lang="en-US" altLang="zh-CN" dirty="0">
-                <a:solidFill>
-                  <a:schemeClr val="bg1"/>
-                </a:solidFill>
-              </a:rPr>
-              <a:t> *</a:t>
-            </a:r>
-            <a:r>
-              <a:rPr kumimoji="1" lang="zh-CN" altLang="en-US" dirty="0">
-                <a:solidFill>
-                  <a:schemeClr val="bg1"/>
-                </a:solidFill>
-              </a:rPr>
-              <a:t>指针变量</a:t>
-            </a:r>
-            <a:endParaRPr kumimoji="1" lang="en-US" altLang="zh-CN" dirty="0">
-              <a:solidFill>
-                <a:schemeClr val="bg1"/>
-              </a:solidFill>
-            </a:endParaRPr>
-          </a:p>
-          <a:p>
-            <a:r>
-              <a:rPr kumimoji="1" lang="zh-CN" altLang="en-US" dirty="0">
-                <a:solidFill>
-                  <a:schemeClr val="bg1"/>
-                </a:solidFill>
-              </a:rPr>
-              <a:t>文档地址</a:t>
-            </a:r>
-            <a:r>
-              <a:rPr kumimoji="1" lang="en-US" altLang="zh-CN" dirty="0">
-                <a:solidFill>
-                  <a:schemeClr val="bg1"/>
-                </a:solidFill>
-              </a:rPr>
-              <a:t>: </a:t>
-            </a:r>
-            <a:r>
-              <a:rPr kumimoji="1" lang="en-US" altLang="zh-CN" dirty="0">
+              <a:t>文档地址：</a:t>
+            </a:r>
+            <a:r>
+              <a:rPr kumimoji="1" lang="en" altLang="zh-CN" dirty="0">
+                <a:solidFill>
+                  <a:schemeClr val="bg1"/>
+                </a:solidFill>
+              </a:rPr>
+              <a:t> </a:t>
+            </a:r>
+            <a:r>
+              <a:rPr kumimoji="1" lang="en" altLang="zh-CN" dirty="0">
                 <a:solidFill>
                   <a:schemeClr val="bg1"/>
                 </a:solidFill>
                 <a:hlinkClick r:id="rId2"/>
               </a:rPr>
-              <a:t>http://www.runoob.com/go/go-operators.html</a:t>
-            </a:r>
-            <a:endParaRPr kumimoji="1" lang="en-US" altLang="zh-CN" dirty="0">
+              <a:t>http://www.runoob.com/go/go-constants.html</a:t>
+            </a:r>
+            <a:endParaRPr kumimoji="1" lang="en" altLang="zh-CN" dirty="0">
               <a:solidFill>
                 <a:schemeClr val="bg1"/>
               </a:solidFill>
@@ -7119,7 +6971,7 @@
     </p:spTree>
     <p:extLst>
       <p:ext uri="{BB962C8B-B14F-4D97-AF65-F5344CB8AC3E}">
-        <p14:creationId xmlns:p14="http://schemas.microsoft.com/office/powerpoint/2010/main" val="1151031083"/>
+        <p14:creationId xmlns:p14="http://schemas.microsoft.com/office/powerpoint/2010/main" val="2892895075"/>
       </p:ext>
     </p:extLst>
   </p:cSld>
@@ -7156,73 +7008,308 @@
           <a:chExt cx="0" cy="0"/>
         </a:xfrm>
       </p:grpSpPr>
-      <p:pic>
-        <p:nvPicPr>
-          <p:cNvPr id="4" name="图片 3">
-            <a:extLst>
-              <a:ext uri="{FF2B5EF4-FFF2-40B4-BE49-F238E27FC236}">
-                <a16:creationId xmlns:a16="http://schemas.microsoft.com/office/drawing/2014/main" id="{294CEE3E-303A-0140-958D-CBF943890993}"/>
-              </a:ext>
-            </a:extLst>
-          </p:cNvPr>
-          <p:cNvPicPr>
-            <a:picLocks noChangeAspect="1"/>
-          </p:cNvPicPr>
-          <p:nvPr/>
-        </p:nvPicPr>
-        <p:blipFill>
-          <a:blip r:embed="rId2"/>
-          <a:stretch>
-            <a:fillRect/>
-          </a:stretch>
-        </p:blipFill>
-        <p:spPr>
-          <a:xfrm>
-            <a:off x="0" y="0"/>
-            <a:ext cx="4720281" cy="2845720"/>
-          </a:xfrm>
-          <a:prstGeom prst="rect">
-            <a:avLst/>
-          </a:prstGeom>
-        </p:spPr>
-      </p:pic>
-      <p:sp>
-        <p:nvSpPr>
-          <p:cNvPr id="5" name="文本框 4">
-            <a:extLst>
-              <a:ext uri="{FF2B5EF4-FFF2-40B4-BE49-F238E27FC236}">
-                <a16:creationId xmlns:a16="http://schemas.microsoft.com/office/drawing/2014/main" id="{E221B34C-9AA6-D142-91CF-ADAEB53C9E9C}"/>
-              </a:ext>
-            </a:extLst>
-          </p:cNvPr>
-          <p:cNvSpPr txBox="1"/>
-          <p:nvPr/>
-        </p:nvSpPr>
-        <p:spPr>
-          <a:xfrm>
-            <a:off x="197710" y="2845720"/>
-            <a:ext cx="5943600" cy="4247317"/>
-          </a:xfrm>
-          <a:prstGeom prst="rect">
-            <a:avLst/>
-          </a:prstGeom>
-          <a:noFill/>
-        </p:spPr>
-        <p:txBody>
-          <a:bodyPr wrap="square" rtlCol="0">
-            <a:spAutoFit/>
-          </a:bodyPr>
+      <p:sp>
+        <p:nvSpPr>
+          <p:cNvPr id="2" name="标题 1">
+            <a:extLst>
+              <a:ext uri="{FF2B5EF4-FFF2-40B4-BE49-F238E27FC236}">
+                <a16:creationId xmlns:a16="http://schemas.microsoft.com/office/drawing/2014/main" id="{D11098DD-593D-D146-BD95-C20A8782507C}"/>
+              </a:ext>
+            </a:extLst>
+          </p:cNvPr>
+          <p:cNvSpPr>
+            <a:spLocks noGrp="1"/>
+          </p:cNvSpPr>
+          <p:nvPr>
+            <p:ph type="title"/>
+          </p:nvPr>
+        </p:nvSpPr>
+        <p:spPr/>
+        <p:txBody>
+          <a:bodyPr/>
           <a:lstStyle/>
           <a:p>
             <a:r>
-              <a:rPr lang="en" altLang="zh-CN" b="1" dirty="0">
-                <a:solidFill>
-                  <a:schemeClr val="bg1"/>
-                </a:solidFill>
-              </a:rPr>
-              <a:t>slice :</a:t>
-            </a:r>
-            <a:endParaRPr lang="en" altLang="zh-CN" dirty="0">
+              <a:rPr kumimoji="1" lang="en-US" altLang="zh-CN" dirty="0">
+                <a:solidFill>
+                  <a:schemeClr val="bg1"/>
+                </a:solidFill>
+              </a:rPr>
+              <a:t>2.</a:t>
+            </a:r>
+            <a:r>
+              <a:rPr kumimoji="1" lang="zh-CN" altLang="en-US" dirty="0">
+                <a:solidFill>
+                  <a:schemeClr val="bg1"/>
+                </a:solidFill>
+              </a:rPr>
+              <a:t>运算符</a:t>
+            </a:r>
+          </a:p>
+        </p:txBody>
+      </p:sp>
+      <p:sp>
+        <p:nvSpPr>
+          <p:cNvPr id="3" name="内容占位符 2">
+            <a:extLst>
+              <a:ext uri="{FF2B5EF4-FFF2-40B4-BE49-F238E27FC236}">
+                <a16:creationId xmlns:a16="http://schemas.microsoft.com/office/drawing/2014/main" id="{4FA71C4B-6BF5-A14F-931F-810FF20E5536}"/>
+              </a:ext>
+            </a:extLst>
+          </p:cNvPr>
+          <p:cNvSpPr>
+            <a:spLocks noGrp="1"/>
+          </p:cNvSpPr>
+          <p:nvPr>
+            <p:ph idx="1"/>
+          </p:nvPr>
+        </p:nvSpPr>
+        <p:spPr/>
+        <p:txBody>
+          <a:bodyPr/>
+          <a:lstStyle/>
+          <a:p>
+            <a:r>
+              <a:rPr kumimoji="1" lang="zh-CN" altLang="en-US" dirty="0">
+                <a:solidFill>
+                  <a:schemeClr val="bg1"/>
+                </a:solidFill>
+              </a:rPr>
+              <a:t>算术运算符</a:t>
+            </a:r>
+            <a:r>
+              <a:rPr kumimoji="1" lang="en-US" altLang="zh-CN" dirty="0">
+                <a:solidFill>
+                  <a:schemeClr val="bg1"/>
+                </a:solidFill>
+              </a:rPr>
+              <a:t>: </a:t>
+            </a:r>
+            <a:r>
+              <a:rPr kumimoji="1" lang="zh-CN" altLang="en-US" dirty="0">
+                <a:solidFill>
+                  <a:schemeClr val="bg1"/>
+                </a:solidFill>
+              </a:rPr>
+              <a:t>跟</a:t>
+            </a:r>
+            <a:r>
+              <a:rPr kumimoji="1" lang="en-US" altLang="zh-CN" dirty="0" err="1">
+                <a:solidFill>
+                  <a:schemeClr val="bg1"/>
+                </a:solidFill>
+              </a:rPr>
+              <a:t>php</a:t>
+            </a:r>
+            <a:r>
+              <a:rPr kumimoji="1" lang="zh-CN" altLang="en-US" dirty="0">
+                <a:solidFill>
+                  <a:schemeClr val="bg1"/>
+                </a:solidFill>
+              </a:rPr>
+              <a:t>一样 </a:t>
+            </a:r>
+            <a:r>
+              <a:rPr kumimoji="1" lang="en-US" altLang="zh-CN" dirty="0">
+                <a:solidFill>
+                  <a:schemeClr val="bg1"/>
+                </a:solidFill>
+              </a:rPr>
+              <a:t> + - * / % ++ --</a:t>
+            </a:r>
+          </a:p>
+          <a:p>
+            <a:r>
+              <a:rPr kumimoji="1" lang="zh-CN" altLang="en-US" dirty="0">
+                <a:solidFill>
+                  <a:schemeClr val="bg1"/>
+                </a:solidFill>
+              </a:rPr>
+              <a:t>关系运算符</a:t>
+            </a:r>
+            <a:r>
+              <a:rPr kumimoji="1" lang="en-US" altLang="zh-CN" dirty="0">
+                <a:solidFill>
+                  <a:schemeClr val="bg1"/>
+                </a:solidFill>
+              </a:rPr>
+              <a:t>: </a:t>
+            </a:r>
+            <a:r>
+              <a:rPr kumimoji="1" lang="zh-CN" altLang="en-US" dirty="0">
+                <a:solidFill>
+                  <a:schemeClr val="bg1"/>
+                </a:solidFill>
+              </a:rPr>
+              <a:t>跟</a:t>
+            </a:r>
+            <a:r>
+              <a:rPr kumimoji="1" lang="en-US" altLang="zh-CN" dirty="0" err="1">
+                <a:solidFill>
+                  <a:schemeClr val="bg1"/>
+                </a:solidFill>
+              </a:rPr>
+              <a:t>php</a:t>
+            </a:r>
+            <a:r>
+              <a:rPr kumimoji="1" lang="zh-CN" altLang="en-US" dirty="0">
+                <a:solidFill>
+                  <a:schemeClr val="bg1"/>
+                </a:solidFill>
+              </a:rPr>
+              <a:t>一样</a:t>
+            </a:r>
+            <a:r>
+              <a:rPr kumimoji="1" lang="en-US" altLang="zh-CN" dirty="0">
+                <a:solidFill>
+                  <a:schemeClr val="bg1"/>
+                </a:solidFill>
+              </a:rPr>
+              <a:t> ==  !=  &gt;  &lt;  &gt;=  &lt;=</a:t>
+            </a:r>
+          </a:p>
+          <a:p>
+            <a:r>
+              <a:rPr kumimoji="1" lang="zh-CN" altLang="en-US" dirty="0">
+                <a:solidFill>
+                  <a:schemeClr val="bg1"/>
+                </a:solidFill>
+              </a:rPr>
+              <a:t>逻辑运算符</a:t>
+            </a:r>
+            <a:r>
+              <a:rPr kumimoji="1" lang="en-US" altLang="zh-CN" dirty="0">
+                <a:solidFill>
+                  <a:schemeClr val="bg1"/>
+                </a:solidFill>
+              </a:rPr>
+              <a:t>:</a:t>
+            </a:r>
+            <a:r>
+              <a:rPr kumimoji="1" lang="zh-CN" altLang="en-US" dirty="0">
+                <a:solidFill>
+                  <a:schemeClr val="bg1"/>
+                </a:solidFill>
+              </a:rPr>
+              <a:t> 跟</a:t>
+            </a:r>
+            <a:r>
+              <a:rPr kumimoji="1" lang="en-US" altLang="zh-CN" dirty="0" err="1">
+                <a:solidFill>
+                  <a:schemeClr val="bg1"/>
+                </a:solidFill>
+              </a:rPr>
+              <a:t>php</a:t>
+            </a:r>
+            <a:r>
+              <a:rPr kumimoji="1" lang="zh-CN" altLang="en-US" dirty="0">
+                <a:solidFill>
+                  <a:schemeClr val="bg1"/>
+                </a:solidFill>
+              </a:rPr>
+              <a:t>一样 </a:t>
+            </a:r>
+            <a:r>
+              <a:rPr kumimoji="1" lang="en-US" altLang="zh-CN" dirty="0">
+                <a:solidFill>
+                  <a:schemeClr val="bg1"/>
+                </a:solidFill>
+              </a:rPr>
+              <a:t>&amp;&amp; || !</a:t>
+            </a:r>
+          </a:p>
+          <a:p>
+            <a:r>
+              <a:rPr kumimoji="1" lang="zh-CN" altLang="en-US" dirty="0">
+                <a:solidFill>
+                  <a:schemeClr val="bg1"/>
+                </a:solidFill>
+              </a:rPr>
+              <a:t>位运算符</a:t>
+            </a:r>
+            <a:r>
+              <a:rPr kumimoji="1" lang="en-US" altLang="zh-CN" dirty="0">
+                <a:solidFill>
+                  <a:schemeClr val="bg1"/>
+                </a:solidFill>
+              </a:rPr>
+              <a:t>: </a:t>
+            </a:r>
+            <a:r>
+              <a:rPr kumimoji="1" lang="zh-CN" altLang="en-US" dirty="0">
+                <a:solidFill>
+                  <a:schemeClr val="bg1"/>
+                </a:solidFill>
+              </a:rPr>
+              <a:t>跟</a:t>
+            </a:r>
+            <a:r>
+              <a:rPr kumimoji="1" lang="en-US" altLang="zh-CN" dirty="0" err="1">
+                <a:solidFill>
+                  <a:schemeClr val="bg1"/>
+                </a:solidFill>
+              </a:rPr>
+              <a:t>php</a:t>
+            </a:r>
+            <a:r>
+              <a:rPr kumimoji="1" lang="zh-CN" altLang="en-US" dirty="0">
+                <a:solidFill>
+                  <a:schemeClr val="bg1"/>
+                </a:solidFill>
+              </a:rPr>
+              <a:t>一样</a:t>
+            </a:r>
+            <a:r>
+              <a:rPr kumimoji="1" lang="en-US" altLang="zh-CN" dirty="0">
+                <a:solidFill>
+                  <a:schemeClr val="bg1"/>
+                </a:solidFill>
+              </a:rPr>
+              <a:t> &amp; | ^  &lt;&lt; &gt;&gt;</a:t>
+            </a:r>
+          </a:p>
+          <a:p>
+            <a:r>
+              <a:rPr kumimoji="1" lang="zh-CN" altLang="en-US" dirty="0">
+                <a:solidFill>
+                  <a:schemeClr val="bg1"/>
+                </a:solidFill>
+              </a:rPr>
+              <a:t>赋值运算符</a:t>
+            </a:r>
+            <a:r>
+              <a:rPr kumimoji="1" lang="en-US" altLang="zh-CN" dirty="0">
+                <a:solidFill>
+                  <a:schemeClr val="bg1"/>
+                </a:solidFill>
+              </a:rPr>
+              <a:t>:</a:t>
+            </a:r>
+            <a:r>
+              <a:rPr kumimoji="1" lang="zh-CN" altLang="en-US" dirty="0">
+                <a:solidFill>
+                  <a:schemeClr val="bg1"/>
+                </a:solidFill>
+              </a:rPr>
+              <a:t>跟</a:t>
+            </a:r>
+            <a:r>
+              <a:rPr kumimoji="1" lang="en-US" altLang="zh-CN" dirty="0" err="1">
+                <a:solidFill>
+                  <a:schemeClr val="bg1"/>
+                </a:solidFill>
+              </a:rPr>
+              <a:t>php</a:t>
+            </a:r>
+            <a:r>
+              <a:rPr kumimoji="1" lang="zh-CN" altLang="en-US" dirty="0">
+                <a:solidFill>
+                  <a:schemeClr val="bg1"/>
+                </a:solidFill>
+              </a:rPr>
+              <a:t>一样 </a:t>
+            </a:r>
+            <a:endParaRPr kumimoji="1" lang="en-US" altLang="zh-CN" dirty="0">
               <a:solidFill>
                 <a:schemeClr val="bg1"/>
               </a:solidFill>
@@ -7230,48 +7317,46 @@
           </a:p>
           <a:p>
             <a:r>
-              <a:rPr lang="en" altLang="zh-CN" dirty="0">
-                <a:solidFill>
-                  <a:schemeClr val="bg1"/>
-                </a:solidFill>
-              </a:rPr>
-              <a:t> </a:t>
-            </a:r>
-          </a:p>
-          <a:p>
-            <a:r>
-              <a:rPr lang="en" altLang="zh-CN" dirty="0">
-                <a:solidFill>
-                  <a:schemeClr val="bg1"/>
-                </a:solidFill>
-              </a:rPr>
-              <a:t>slice </a:t>
-            </a:r>
-            <a:r>
-              <a:rPr lang="zh-CN" altLang="en-US" dirty="0">
-                <a:solidFill>
-                  <a:schemeClr val="bg1"/>
-                </a:solidFill>
-              </a:rPr>
-              <a:t>实际上相当于对其依附的 </a:t>
-            </a:r>
-            <a:r>
-              <a:rPr lang="en" altLang="zh-CN" dirty="0">
-                <a:solidFill>
-                  <a:schemeClr val="bg1"/>
-                </a:solidFill>
-              </a:rPr>
-              <a:t>array </a:t>
-            </a:r>
-            <a:r>
-              <a:rPr lang="zh-CN" altLang="en-US" dirty="0">
-                <a:solidFill>
-                  <a:schemeClr val="bg1"/>
-                </a:solidFill>
-              </a:rPr>
-              <a:t>的引用，它不存储数据，</a:t>
-            </a:r>
-            <a:endParaRPr lang="en-US" altLang="zh-CN" dirty="0">
+              <a:rPr kumimoji="1" lang="zh-CN" altLang="en-US" dirty="0">
+                <a:solidFill>
+                  <a:schemeClr val="bg1"/>
+                </a:solidFill>
+              </a:rPr>
+              <a:t>其他运算符</a:t>
+            </a:r>
+            <a:r>
+              <a:rPr kumimoji="1" lang="en-US" altLang="zh-CN" dirty="0">
+                <a:solidFill>
+                  <a:schemeClr val="bg1"/>
+                </a:solidFill>
+              </a:rPr>
+              <a:t>: &amp;</a:t>
+            </a:r>
+            <a:r>
+              <a:rPr kumimoji="1" lang="zh-CN" altLang="en-US" dirty="0">
+                <a:solidFill>
+                  <a:schemeClr val="bg1"/>
+                </a:solidFill>
+              </a:rPr>
+              <a:t>返回变量存储地址</a:t>
+            </a:r>
+            <a:r>
+              <a:rPr kumimoji="1" lang="en-US" altLang="zh-CN" dirty="0">
+                <a:solidFill>
+                  <a:schemeClr val="bg1"/>
+                </a:solidFill>
+              </a:rPr>
+              <a:t> *</a:t>
+            </a:r>
+            <a:r>
+              <a:rPr kumimoji="1" lang="zh-CN" altLang="en-US" dirty="0">
+                <a:solidFill>
+                  <a:schemeClr val="bg1"/>
+                </a:solidFill>
+              </a:rPr>
+              <a:t>指针变量</a:t>
+            </a:r>
+            <a:endParaRPr kumimoji="1" lang="en-US" altLang="zh-CN" dirty="0">
               <a:solidFill>
                 <a:schemeClr val="bg1"/>
               </a:solidFill>
@@ -7279,263 +7364,40 @@
           </a:p>
           <a:p>
             <a:r>
-              <a:rPr lang="zh-CN" altLang="en-US" dirty="0">
-                <a:solidFill>
-                  <a:schemeClr val="bg1"/>
-                </a:solidFill>
-              </a:rPr>
-              <a:t>只是对 </a:t>
-            </a:r>
-            <a:r>
-              <a:rPr lang="en" altLang="zh-CN" dirty="0">
-                <a:solidFill>
-                  <a:schemeClr val="bg1"/>
-                </a:solidFill>
-              </a:rPr>
-              <a:t>array </a:t>
-            </a:r>
-            <a:r>
-              <a:rPr lang="zh-CN" altLang="en-US" dirty="0">
-                <a:solidFill>
-                  <a:schemeClr val="bg1"/>
-                </a:solidFill>
-              </a:rPr>
-              <a:t>进行描述。因此，修改 </a:t>
-            </a:r>
-            <a:r>
-              <a:rPr lang="en" altLang="zh-CN" dirty="0">
-                <a:solidFill>
-                  <a:schemeClr val="bg1"/>
-                </a:solidFill>
-              </a:rPr>
-              <a:t>slice </a:t>
-            </a:r>
-            <a:r>
-              <a:rPr lang="zh-CN" altLang="en-US" dirty="0">
-                <a:solidFill>
-                  <a:schemeClr val="bg1"/>
-                </a:solidFill>
-              </a:rPr>
-              <a:t>中的元素，</a:t>
-            </a:r>
-            <a:endParaRPr lang="en-US" altLang="zh-CN" dirty="0">
+              <a:rPr kumimoji="1" lang="zh-CN" altLang="en-US" dirty="0">
+                <a:solidFill>
+                  <a:schemeClr val="bg1"/>
+                </a:solidFill>
+              </a:rPr>
+              <a:t>文档地址</a:t>
+            </a:r>
+            <a:r>
+              <a:rPr kumimoji="1" lang="en-US" altLang="zh-CN" dirty="0">
+                <a:solidFill>
+                  <a:schemeClr val="bg1"/>
+                </a:solidFill>
+              </a:rPr>
+              <a:t>: </a:t>
+            </a:r>
+            <a:r>
+              <a:rPr kumimoji="1" lang="en-US" altLang="zh-CN" dirty="0">
+                <a:solidFill>
+                  <a:schemeClr val="bg1"/>
+                </a:solidFill>
+                <a:hlinkClick r:id="rId2"/>
+              </a:rPr>
+              <a:t>http://www.runoob.com/go/go-operators.html</a:t>
+            </a:r>
+            <a:endParaRPr kumimoji="1" lang="en-US" altLang="zh-CN" dirty="0">
               <a:solidFill>
                 <a:schemeClr val="bg1"/>
               </a:solidFill>
             </a:endParaRPr>
           </a:p>
           <a:p>
-            <a:r>
-              <a:rPr lang="zh-CN" altLang="en-US" dirty="0">
-                <a:solidFill>
-                  <a:schemeClr val="bg1"/>
-                </a:solidFill>
-              </a:rPr>
-              <a:t>改变会体现在 </a:t>
-            </a:r>
-            <a:r>
-              <a:rPr lang="en" altLang="zh-CN" dirty="0">
-                <a:solidFill>
-                  <a:schemeClr val="bg1"/>
-                </a:solidFill>
-              </a:rPr>
-              <a:t>array </a:t>
-            </a:r>
-            <a:r>
-              <a:rPr lang="zh-CN" altLang="en-US" dirty="0">
-                <a:solidFill>
-                  <a:schemeClr val="bg1"/>
-                </a:solidFill>
-              </a:rPr>
-              <a:t>上，当然也会体现在该 </a:t>
-            </a:r>
-            <a:r>
-              <a:rPr lang="en" altLang="zh-CN" dirty="0">
-                <a:solidFill>
-                  <a:schemeClr val="bg1"/>
-                </a:solidFill>
-              </a:rPr>
-              <a:t>array </a:t>
-            </a:r>
-            <a:r>
-              <a:rPr lang="zh-CN" altLang="en-US" dirty="0">
-                <a:solidFill>
-                  <a:schemeClr val="bg1"/>
-                </a:solidFill>
-              </a:rPr>
-              <a:t>的</a:t>
-            </a:r>
-            <a:endParaRPr lang="en-US" altLang="zh-CN" dirty="0">
-              <a:solidFill>
-                <a:schemeClr val="bg1"/>
-              </a:solidFill>
-            </a:endParaRPr>
-          </a:p>
-          <a:p>
-            <a:r>
-              <a:rPr lang="zh-CN" altLang="en-US" dirty="0">
-                <a:solidFill>
-                  <a:schemeClr val="bg1"/>
-                </a:solidFill>
-              </a:rPr>
-              <a:t>所有 </a:t>
-            </a:r>
-            <a:r>
-              <a:rPr lang="en" altLang="zh-CN" dirty="0">
-                <a:solidFill>
-                  <a:schemeClr val="bg1"/>
-                </a:solidFill>
-              </a:rPr>
-              <a:t>slice </a:t>
-            </a:r>
-            <a:r>
-              <a:rPr lang="zh-CN" altLang="en-US" dirty="0">
-                <a:solidFill>
-                  <a:schemeClr val="bg1"/>
-                </a:solidFill>
-              </a:rPr>
-              <a:t>上。</a:t>
-            </a:r>
-          </a:p>
-          <a:p>
-            <a:r>
-              <a:rPr lang="zh-CN" altLang="en-US" dirty="0">
-                <a:solidFill>
-                  <a:schemeClr val="bg1"/>
-                </a:solidFill>
-              </a:rPr>
-              <a:t>可以使用 </a:t>
-            </a:r>
-            <a:r>
-              <a:rPr lang="en" altLang="zh-CN" dirty="0">
-                <a:solidFill>
-                  <a:schemeClr val="bg1"/>
-                </a:solidFill>
-              </a:rPr>
-              <a:t>make([]</a:t>
-            </a:r>
-            <a:r>
-              <a:rPr lang="en" altLang="zh-CN" dirty="0" err="1">
-                <a:solidFill>
-                  <a:schemeClr val="bg1"/>
-                </a:solidFill>
-              </a:rPr>
-              <a:t>int</a:t>
-            </a:r>
-            <a:r>
-              <a:rPr lang="en" altLang="zh-CN" dirty="0">
-                <a:solidFill>
-                  <a:schemeClr val="bg1"/>
-                </a:solidFill>
-              </a:rPr>
-              <a:t>) </a:t>
-            </a:r>
-            <a:r>
-              <a:rPr lang="zh-CN" altLang="en-US" dirty="0">
-                <a:solidFill>
-                  <a:schemeClr val="bg1"/>
-                </a:solidFill>
-              </a:rPr>
-              <a:t>来创建并初始化 </a:t>
-            </a:r>
-            <a:r>
-              <a:rPr lang="en" altLang="zh-CN" dirty="0">
-                <a:solidFill>
-                  <a:schemeClr val="bg1"/>
-                </a:solidFill>
-              </a:rPr>
-              <a:t>map </a:t>
-            </a:r>
-            <a:r>
-              <a:rPr lang="zh-CN" altLang="en" dirty="0">
-                <a:solidFill>
-                  <a:schemeClr val="bg1"/>
-                </a:solidFill>
-              </a:rPr>
-              <a:t>。</a:t>
-            </a:r>
-          </a:p>
-          <a:p>
-            <a:endParaRPr lang="en" altLang="zh-CN" b="1" dirty="0">
-              <a:solidFill>
-                <a:schemeClr val="bg1"/>
-              </a:solidFill>
-            </a:endParaRPr>
-          </a:p>
-          <a:p>
-            <a:endParaRPr lang="en" altLang="zh-CN" b="1" dirty="0">
-              <a:solidFill>
-                <a:schemeClr val="bg1"/>
-              </a:solidFill>
-            </a:endParaRPr>
-          </a:p>
-          <a:p>
-            <a:r>
-              <a:rPr lang="en" altLang="zh-CN" b="1" dirty="0">
-                <a:solidFill>
-                  <a:schemeClr val="bg1"/>
-                </a:solidFill>
-              </a:rPr>
-              <a:t>map :</a:t>
-            </a:r>
-            <a:endParaRPr lang="en" altLang="zh-CN" dirty="0">
-              <a:solidFill>
-                <a:schemeClr val="bg1"/>
-              </a:solidFill>
-            </a:endParaRPr>
-          </a:p>
-          <a:p>
-            <a:r>
-              <a:rPr lang="en" altLang="zh-CN" dirty="0">
-                <a:solidFill>
-                  <a:schemeClr val="bg1"/>
-                </a:solidFill>
-              </a:rPr>
-              <a:t> </a:t>
-            </a:r>
-          </a:p>
-          <a:p>
-            <a:r>
-              <a:rPr lang="zh-CN" altLang="en-US" dirty="0">
-                <a:solidFill>
-                  <a:schemeClr val="bg1"/>
-                </a:solidFill>
-              </a:rPr>
-              <a:t>使用 </a:t>
-            </a:r>
-            <a:r>
-              <a:rPr lang="en" altLang="zh-CN" dirty="0">
-                <a:solidFill>
-                  <a:schemeClr val="bg1"/>
-                </a:solidFill>
-              </a:rPr>
-              <a:t>make(map[string]string) </a:t>
-            </a:r>
-            <a:r>
-              <a:rPr lang="zh-CN" altLang="en-US" dirty="0">
-                <a:solidFill>
-                  <a:schemeClr val="bg1"/>
-                </a:solidFill>
-              </a:rPr>
-              <a:t>返回的本身是个引用，</a:t>
-            </a:r>
-            <a:endParaRPr lang="en-US" altLang="zh-CN" dirty="0">
-              <a:solidFill>
-                <a:schemeClr val="bg1"/>
-              </a:solidFill>
-            </a:endParaRPr>
-          </a:p>
-          <a:p>
-            <a:r>
-              <a:rPr lang="zh-CN" altLang="en-US" dirty="0">
-                <a:solidFill>
-                  <a:schemeClr val="bg1"/>
-                </a:solidFill>
-              </a:rPr>
-              <a:t>可以直接用来操作：</a:t>
-            </a:r>
-          </a:p>
-          <a:p>
+            <a:pPr marL="0" indent="0">
+              <a:buNone/>
+            </a:pPr>
             <a:endParaRPr kumimoji="1" lang="zh-CN" altLang="en-US" dirty="0">
               <a:solidFill>
                 <a:schemeClr val="bg1"/>
@@ -7544,70 +7406,10 @@
           </a:p>
         </p:txBody>
       </p:sp>
-      <p:pic>
-        <p:nvPicPr>
-          <p:cNvPr id="6" name="图片 5">
-            <a:extLst>
-              <a:ext uri="{FF2B5EF4-FFF2-40B4-BE49-F238E27FC236}">
-                <a16:creationId xmlns:a16="http://schemas.microsoft.com/office/drawing/2014/main" id="{5764D967-CE33-244B-B71F-6CF1AB769272}"/>
-              </a:ext>
-            </a:extLst>
-          </p:cNvPr>
-          <p:cNvPicPr>
-            <a:picLocks noChangeAspect="1"/>
-          </p:cNvPicPr>
-          <p:nvPr/>
-        </p:nvPicPr>
-        <p:blipFill>
-          <a:blip r:embed="rId3"/>
-          <a:stretch>
-            <a:fillRect/>
-          </a:stretch>
-        </p:blipFill>
-        <p:spPr>
-          <a:xfrm>
-            <a:off x="7191000" y="2938849"/>
-            <a:ext cx="5001000" cy="3919151"/>
-          </a:xfrm>
-          <a:prstGeom prst="rect">
-            <a:avLst/>
-          </a:prstGeom>
-        </p:spPr>
-      </p:pic>
-      <p:pic>
-        <p:nvPicPr>
-          <p:cNvPr id="7" name="图片 6">
-            <a:extLst>
-              <a:ext uri="{FF2B5EF4-FFF2-40B4-BE49-F238E27FC236}">
-                <a16:creationId xmlns:a16="http://schemas.microsoft.com/office/drawing/2014/main" id="{51F61271-0341-B44D-9CD4-B0B652199F25}"/>
-              </a:ext>
-            </a:extLst>
-          </p:cNvPr>
-          <p:cNvPicPr>
-            <a:picLocks noChangeAspect="1"/>
-          </p:cNvPicPr>
-          <p:nvPr/>
-        </p:nvPicPr>
-        <p:blipFill>
-          <a:blip r:embed="rId4"/>
-          <a:stretch>
-            <a:fillRect/>
-          </a:stretch>
-        </p:blipFill>
-        <p:spPr>
-          <a:xfrm>
-            <a:off x="7420259" y="81663"/>
-            <a:ext cx="4542481" cy="2764057"/>
-          </a:xfrm>
-          <a:prstGeom prst="rect">
-            <a:avLst/>
-          </a:prstGeom>
-        </p:spPr>
-      </p:pic>
     </p:spTree>
     <p:extLst>
       <p:ext uri="{BB962C8B-B14F-4D97-AF65-F5344CB8AC3E}">
-        <p14:creationId xmlns:p14="http://schemas.microsoft.com/office/powerpoint/2010/main" val="3181833392"/>
+        <p14:creationId xmlns:p14="http://schemas.microsoft.com/office/powerpoint/2010/main" val="1151031083"/>
       </p:ext>
     </p:extLst>
   </p:cSld>
@@ -7644,84 +7446,73 @@
           <a:chExt cx="0" cy="0"/>
         </a:xfrm>
       </p:grpSpPr>
-      <p:sp>
-        <p:nvSpPr>
-          <p:cNvPr id="2" name="标题 1">
-            <a:extLst>
-              <a:ext uri="{FF2B5EF4-FFF2-40B4-BE49-F238E27FC236}">
-                <a16:creationId xmlns:a16="http://schemas.microsoft.com/office/drawing/2014/main" id="{5B21ED28-128A-BB4E-8397-702DB7819CE6}"/>
-              </a:ext>
-            </a:extLst>
-          </p:cNvPr>
-          <p:cNvSpPr>
-            <a:spLocks noGrp="1"/>
-          </p:cNvSpPr>
-          <p:nvPr>
-            <p:ph type="title"/>
-          </p:nvPr>
-        </p:nvSpPr>
-        <p:spPr/>
-        <p:txBody>
-          <a:bodyPr/>
+      <p:pic>
+        <p:nvPicPr>
+          <p:cNvPr id="4" name="图片 3">
+            <a:extLst>
+              <a:ext uri="{FF2B5EF4-FFF2-40B4-BE49-F238E27FC236}">
+                <a16:creationId xmlns:a16="http://schemas.microsoft.com/office/drawing/2014/main" id="{294CEE3E-303A-0140-958D-CBF943890993}"/>
+              </a:ext>
+            </a:extLst>
+          </p:cNvPr>
+          <p:cNvPicPr>
+            <a:picLocks noChangeAspect="1"/>
+          </p:cNvPicPr>
+          <p:nvPr/>
+        </p:nvPicPr>
+        <p:blipFill>
+          <a:blip r:embed="rId2"/>
+          <a:stretch>
+            <a:fillRect/>
+          </a:stretch>
+        </p:blipFill>
+        <p:spPr>
+          <a:xfrm>
+            <a:off x="0" y="0"/>
+            <a:ext cx="4720281" cy="2845720"/>
+          </a:xfrm>
+          <a:prstGeom prst="rect">
+            <a:avLst/>
+          </a:prstGeom>
+        </p:spPr>
+      </p:pic>
+      <p:sp>
+        <p:nvSpPr>
+          <p:cNvPr id="5" name="文本框 4">
+            <a:extLst>
+              <a:ext uri="{FF2B5EF4-FFF2-40B4-BE49-F238E27FC236}">
+                <a16:creationId xmlns:a16="http://schemas.microsoft.com/office/drawing/2014/main" id="{E221B34C-9AA6-D142-91CF-ADAEB53C9E9C}"/>
+              </a:ext>
+            </a:extLst>
+          </p:cNvPr>
+          <p:cNvSpPr txBox="1"/>
+          <p:nvPr/>
+        </p:nvSpPr>
+        <p:spPr>
+          <a:xfrm>
+            <a:off x="197710" y="2845720"/>
+            <a:ext cx="5943600" cy="4247317"/>
+          </a:xfrm>
+          <a:prstGeom prst="rect">
+            <a:avLst/>
+          </a:prstGeom>
+          <a:noFill/>
+        </p:spPr>
+        <p:txBody>
+          <a:bodyPr wrap="square" rtlCol="0">
+            <a:spAutoFit/>
+          </a:bodyPr>
           <a:lstStyle/>
           <a:p>
             <a:r>
-              <a:rPr kumimoji="1" lang="en-US" altLang="zh-CN" dirty="0">
-                <a:solidFill>
-                  <a:schemeClr val="bg1"/>
-                </a:solidFill>
-              </a:rPr>
-              <a:t>3.</a:t>
-            </a:r>
-            <a:r>
-              <a:rPr kumimoji="1" lang="zh-CN" altLang="en-US" dirty="0">
-                <a:solidFill>
-                  <a:schemeClr val="bg1"/>
-                </a:solidFill>
-              </a:rPr>
-              <a:t>流程控制</a:t>
-            </a:r>
-          </a:p>
-        </p:txBody>
-      </p:sp>
-      <p:sp>
-        <p:nvSpPr>
-          <p:cNvPr id="3" name="内容占位符 2">
-            <a:extLst>
-              <a:ext uri="{FF2B5EF4-FFF2-40B4-BE49-F238E27FC236}">
-                <a16:creationId xmlns:a16="http://schemas.microsoft.com/office/drawing/2014/main" id="{01CAC69E-3E32-4E42-9588-508EA4FBAA77}"/>
-              </a:ext>
-            </a:extLst>
-          </p:cNvPr>
-          <p:cNvSpPr>
-            <a:spLocks noGrp="1"/>
-          </p:cNvSpPr>
-          <p:nvPr>
-            <p:ph idx="1"/>
-          </p:nvPr>
-        </p:nvSpPr>
-        <p:spPr/>
-        <p:txBody>
-          <a:bodyPr/>
-          <a:lstStyle/>
-          <a:p>
-            <a:r>
-              <a:rPr kumimoji="1" lang="en-US" altLang="zh-CN" dirty="0">
-                <a:solidFill>
-                  <a:schemeClr val="bg1"/>
-                </a:solidFill>
-              </a:rPr>
-              <a:t>If</a:t>
-            </a:r>
-            <a:r>
-              <a:rPr kumimoji="1" lang="zh-CN" altLang="en-US" dirty="0">
-                <a:solidFill>
-                  <a:schemeClr val="bg1"/>
-                </a:solidFill>
-              </a:rPr>
-              <a:t>语句</a:t>
-            </a:r>
-            <a:endParaRPr kumimoji="1" lang="en-US" altLang="zh-CN" dirty="0">
+              <a:rPr lang="en" altLang="zh-CN" b="1" dirty="0">
+                <a:solidFill>
+                  <a:schemeClr val="bg1"/>
+                </a:solidFill>
+              </a:rPr>
+              <a:t>slice :</a:t>
+            </a:r>
+            <a:endParaRPr lang="en" altLang="zh-CN" dirty="0">
               <a:solidFill>
                 <a:schemeClr val="bg1"/>
               </a:solidFill>
@@ -7729,38 +7520,48 @@
           </a:p>
           <a:p>
             <a:r>
-              <a:rPr kumimoji="1" lang="en-US" altLang="zh-CN" dirty="0">
-                <a:solidFill>
-                  <a:schemeClr val="bg1"/>
-                </a:solidFill>
-              </a:rPr>
-              <a:t>If</a:t>
-            </a:r>
-            <a:r>
-              <a:rPr kumimoji="1" lang="zh-CN" altLang="en-US" dirty="0">
-                <a:solidFill>
-                  <a:schemeClr val="bg1"/>
-                </a:solidFill>
-              </a:rPr>
-              <a:t> </a:t>
-            </a:r>
-            <a:r>
-              <a:rPr kumimoji="1" lang="en-US" altLang="zh-CN" dirty="0">
-                <a:solidFill>
-                  <a:schemeClr val="bg1"/>
-                </a:solidFill>
-              </a:rPr>
-              <a:t>…else</a:t>
-            </a:r>
-            <a:r>
-              <a:rPr kumimoji="1" lang="zh-CN" altLang="en-US" dirty="0">
-                <a:solidFill>
-                  <a:schemeClr val="bg1"/>
-                </a:solidFill>
-              </a:rPr>
-              <a:t>语句</a:t>
-            </a:r>
-            <a:endParaRPr kumimoji="1" lang="en-US" altLang="zh-CN" dirty="0">
+              <a:rPr lang="en" altLang="zh-CN" dirty="0">
+                <a:solidFill>
+                  <a:schemeClr val="bg1"/>
+                </a:solidFill>
+              </a:rPr>
+              <a:t> </a:t>
+            </a:r>
+          </a:p>
+          <a:p>
+            <a:r>
+              <a:rPr lang="en" altLang="zh-CN" dirty="0">
+                <a:solidFill>
+                  <a:schemeClr val="bg1"/>
+                </a:solidFill>
+              </a:rPr>
+              <a:t>slice </a:t>
+            </a:r>
+            <a:r>
+              <a:rPr lang="zh-CN" altLang="en-US" dirty="0">
+                <a:solidFill>
+                  <a:schemeClr val="bg1"/>
+                </a:solidFill>
+              </a:rPr>
+              <a:t>实际上相当于对其依附的 </a:t>
+            </a:r>
+            <a:r>
+              <a:rPr lang="en" altLang="zh-CN" dirty="0">
+                <a:solidFill>
+                  <a:schemeClr val="bg1"/>
+                </a:solidFill>
+              </a:rPr>
+              <a:t>array </a:t>
+            </a:r>
+            <a:r>
+              <a:rPr lang="zh-CN" altLang="en-US" dirty="0">
+                <a:solidFill>
+                  <a:schemeClr val="bg1"/>
+                </a:solidFill>
+              </a:rPr>
+              <a:t>的引用，它不存储数据，</a:t>
+            </a:r>
+            <a:endParaRPr lang="en-US" altLang="zh-CN" dirty="0">
               <a:solidFill>
                 <a:schemeClr val="bg1"/>
               </a:solidFill>
@@ -7768,22 +7569,46 @@
           </a:p>
           <a:p>
             <a:r>
-              <a:rPr kumimoji="1" lang="en-US" altLang="zh-CN" dirty="0">
-                <a:solidFill>
-                  <a:schemeClr val="bg1"/>
-                </a:solidFill>
-              </a:rPr>
-              <a:t>Switch</a:t>
-            </a:r>
-            <a:r>
-              <a:rPr kumimoji="1" lang="zh-CN" altLang="en-US" dirty="0">
-                <a:solidFill>
-                  <a:schemeClr val="bg1"/>
-                </a:solidFill>
-              </a:rPr>
-              <a:t> 语句</a:t>
-            </a:r>
-            <a:endParaRPr kumimoji="1" lang="en-US" altLang="zh-CN" dirty="0">
+              <a:rPr lang="zh-CN" altLang="en-US" dirty="0">
+                <a:solidFill>
+                  <a:schemeClr val="bg1"/>
+                </a:solidFill>
+              </a:rPr>
+              <a:t>只是对 </a:t>
+            </a:r>
+            <a:r>
+              <a:rPr lang="en" altLang="zh-CN" dirty="0">
+                <a:solidFill>
+                  <a:schemeClr val="bg1"/>
+                </a:solidFill>
+              </a:rPr>
+              <a:t>array </a:t>
+            </a:r>
+            <a:r>
+              <a:rPr lang="zh-CN" altLang="en-US" dirty="0">
+                <a:solidFill>
+                  <a:schemeClr val="bg1"/>
+                </a:solidFill>
+              </a:rPr>
+              <a:t>进行描述。因此，修改 </a:t>
+            </a:r>
+            <a:r>
+              <a:rPr lang="en" altLang="zh-CN" dirty="0">
+                <a:solidFill>
+                  <a:schemeClr val="bg1"/>
+                </a:solidFill>
+              </a:rPr>
+              <a:t>slice </a:t>
+            </a:r>
+            <a:r>
+              <a:rPr lang="zh-CN" altLang="en-US" dirty="0">
+                <a:solidFill>
+                  <a:schemeClr val="bg1"/>
+                </a:solidFill>
+              </a:rPr>
+              <a:t>中的元素，</a:t>
+            </a:r>
+            <a:endParaRPr lang="en-US" altLang="zh-CN" dirty="0">
               <a:solidFill>
                 <a:schemeClr val="bg1"/>
               </a:solidFill>
@@ -7791,22 +7616,46 @@
           </a:p>
           <a:p>
             <a:r>
-              <a:rPr kumimoji="1" lang="en-US" altLang="zh-CN" dirty="0">
-                <a:solidFill>
-                  <a:schemeClr val="bg1"/>
-                </a:solidFill>
-              </a:rPr>
-              <a:t>Select</a:t>
-            </a:r>
-            <a:r>
-              <a:rPr kumimoji="1" lang="zh-CN" altLang="en-US" dirty="0">
-                <a:solidFill>
-                  <a:schemeClr val="bg1"/>
-                </a:solidFill>
-              </a:rPr>
-              <a:t> 语句</a:t>
-            </a:r>
-            <a:endParaRPr kumimoji="1" lang="en-US" altLang="zh-CN" dirty="0">
+              <a:rPr lang="zh-CN" altLang="en-US" dirty="0">
+                <a:solidFill>
+                  <a:schemeClr val="bg1"/>
+                </a:solidFill>
+              </a:rPr>
+              <a:t>改变会体现在 </a:t>
+            </a:r>
+            <a:r>
+              <a:rPr lang="en" altLang="zh-CN" dirty="0">
+                <a:solidFill>
+                  <a:schemeClr val="bg1"/>
+                </a:solidFill>
+              </a:rPr>
+              <a:t>array </a:t>
+            </a:r>
+            <a:r>
+              <a:rPr lang="zh-CN" altLang="en-US" dirty="0">
+                <a:solidFill>
+                  <a:schemeClr val="bg1"/>
+                </a:solidFill>
+              </a:rPr>
+              <a:t>上，当然也会体现在该 </a:t>
+            </a:r>
+            <a:r>
+              <a:rPr lang="en" altLang="zh-CN" dirty="0">
+                <a:solidFill>
+                  <a:schemeClr val="bg1"/>
+                </a:solidFill>
+              </a:rPr>
+              <a:t>array </a:t>
+            </a:r>
+            <a:r>
+              <a:rPr lang="zh-CN" altLang="en-US" dirty="0">
+                <a:solidFill>
+                  <a:schemeClr val="bg1"/>
+                </a:solidFill>
+              </a:rPr>
+              <a:t>的</a:t>
+            </a:r>
+            <a:endParaRPr lang="en-US" altLang="zh-CN" dirty="0">
               <a:solidFill>
                 <a:schemeClr val="bg1"/>
               </a:solidFill>
@@ -7814,29 +7663,97 @@
           </a:p>
           <a:p>
             <a:r>
-              <a:rPr kumimoji="1" lang="en-US" altLang="zh-CN" dirty="0">
-                <a:solidFill>
-                  <a:schemeClr val="bg1"/>
-                </a:solidFill>
-              </a:rPr>
-              <a:t>For</a:t>
-            </a:r>
-            <a:r>
-              <a:rPr kumimoji="1" lang="zh-CN" altLang="en-US" dirty="0">
-                <a:solidFill>
-                  <a:schemeClr val="bg1"/>
-                </a:solidFill>
-              </a:rPr>
-              <a:t> 循环（计次、遍历、无限）</a:t>
-            </a:r>
-            <a:endParaRPr kumimoji="1" lang="en-US" altLang="zh-CN" dirty="0">
+              <a:rPr lang="zh-CN" altLang="en-US" dirty="0">
+                <a:solidFill>
+                  <a:schemeClr val="bg1"/>
+                </a:solidFill>
+              </a:rPr>
+              <a:t>所有 </a:t>
+            </a:r>
+            <a:r>
+              <a:rPr lang="en" altLang="zh-CN" dirty="0">
+                <a:solidFill>
+                  <a:schemeClr val="bg1"/>
+                </a:solidFill>
+              </a:rPr>
+              <a:t>slice </a:t>
+            </a:r>
+            <a:r>
+              <a:rPr lang="zh-CN" altLang="en-US" dirty="0">
+                <a:solidFill>
+                  <a:schemeClr val="bg1"/>
+                </a:solidFill>
+              </a:rPr>
+              <a:t>上。</a:t>
+            </a:r>
+          </a:p>
+          <a:p>
+            <a:r>
+              <a:rPr lang="zh-CN" altLang="en-US" dirty="0">
+                <a:solidFill>
+                  <a:schemeClr val="bg1"/>
+                </a:solidFill>
+              </a:rPr>
+              <a:t>可以使用 </a:t>
+            </a:r>
+            <a:r>
+              <a:rPr lang="en" altLang="zh-CN" dirty="0">
+                <a:solidFill>
+                  <a:schemeClr val="bg1"/>
+                </a:solidFill>
+              </a:rPr>
+              <a:t>make([]</a:t>
+            </a:r>
+            <a:r>
+              <a:rPr lang="en" altLang="zh-CN" dirty="0" err="1">
+                <a:solidFill>
+                  <a:schemeClr val="bg1"/>
+                </a:solidFill>
+              </a:rPr>
+              <a:t>int</a:t>
+            </a:r>
+            <a:r>
+              <a:rPr lang="en" altLang="zh-CN" dirty="0">
+                <a:solidFill>
+                  <a:schemeClr val="bg1"/>
+                </a:solidFill>
+              </a:rPr>
+              <a:t>) </a:t>
+            </a:r>
+            <a:r>
+              <a:rPr lang="zh-CN" altLang="en-US" dirty="0">
+                <a:solidFill>
+                  <a:schemeClr val="bg1"/>
+                </a:solidFill>
+              </a:rPr>
+              <a:t>来创建并初始化 </a:t>
+            </a:r>
+            <a:r>
+              <a:rPr lang="en" altLang="zh-CN" dirty="0">
+                <a:solidFill>
+                  <a:schemeClr val="bg1"/>
+                </a:solidFill>
+              </a:rPr>
+              <a:t>map </a:t>
+            </a:r>
+            <a:r>
+              <a:rPr lang="zh-CN" altLang="en" dirty="0">
+                <a:solidFill>
+                  <a:schemeClr val="bg1"/>
+                </a:solidFill>
+              </a:rPr>
+              <a:t>。</a:t>
+            </a:r>
+          </a:p>
+          <a:p>
+            <a:endParaRPr lang="en" altLang="zh-CN" b="1" dirty="0">
               <a:solidFill>
                 <a:schemeClr val="bg1"/>
               </a:solidFill>
             </a:endParaRPr>
           </a:p>
           <a:p>
-            <a:endParaRPr kumimoji="1" lang="en-US" altLang="zh-CN" dirty="0">
+            <a:endParaRPr lang="en" altLang="zh-CN" b="1" dirty="0">
               <a:solidFill>
                 <a:schemeClr val="bg1"/>
               </a:solidFill>
@@ -7844,35 +7761,69 @@
           </a:p>
           <a:p>
             <a:r>
-              <a:rPr kumimoji="1" lang="zh-CN" altLang="en-US" dirty="0">
-                <a:solidFill>
-                  <a:schemeClr val="bg1"/>
-                </a:solidFill>
-              </a:rPr>
-              <a:t>文档地址：</a:t>
-            </a:r>
-            <a:r>
-              <a:rPr kumimoji="1" lang="en" altLang="zh-CN" dirty="0">
-                <a:solidFill>
-                  <a:schemeClr val="bg1"/>
-                </a:solidFill>
-              </a:rPr>
-              <a:t> </a:t>
-            </a:r>
-            <a:r>
-              <a:rPr kumimoji="1" lang="en" altLang="zh-CN" dirty="0">
-                <a:solidFill>
-                  <a:schemeClr val="bg1"/>
-                </a:solidFill>
-                <a:hlinkClick r:id="rId2"/>
-              </a:rPr>
-              <a:t>http://www.runoob.com/go/go-decision-making.html</a:t>
-            </a:r>
-            <a:endParaRPr kumimoji="1" lang="en" altLang="zh-CN" dirty="0">
+              <a:rPr lang="en" altLang="zh-CN" b="1" dirty="0">
+                <a:solidFill>
+                  <a:schemeClr val="bg1"/>
+                </a:solidFill>
+              </a:rPr>
+              <a:t>map :</a:t>
+            </a:r>
+            <a:endParaRPr lang="en" altLang="zh-CN" dirty="0">
               <a:solidFill>
                 <a:schemeClr val="bg1"/>
               </a:solidFill>
             </a:endParaRPr>
+          </a:p>
+          <a:p>
+            <a:r>
+              <a:rPr lang="en" altLang="zh-CN" dirty="0">
+                <a:solidFill>
+                  <a:schemeClr val="bg1"/>
+                </a:solidFill>
+              </a:rPr>
+              <a:t> </a:t>
+            </a:r>
+          </a:p>
+          <a:p>
+            <a:r>
+              <a:rPr lang="zh-CN" altLang="en-US" dirty="0">
+                <a:solidFill>
+                  <a:schemeClr val="bg1"/>
+                </a:solidFill>
+              </a:rPr>
+              <a:t>使用 </a:t>
+            </a:r>
+            <a:r>
+              <a:rPr lang="en" altLang="zh-CN" dirty="0">
+                <a:solidFill>
+                  <a:schemeClr val="bg1"/>
+                </a:solidFill>
+              </a:rPr>
+              <a:t>make(map[string]string) </a:t>
+            </a:r>
+            <a:r>
+              <a:rPr lang="zh-CN" altLang="en-US" dirty="0">
+                <a:solidFill>
+                  <a:schemeClr val="bg1"/>
+                </a:solidFill>
+              </a:rPr>
+              <a:t>返回的本身是个引用，</a:t>
+            </a:r>
+            <a:endParaRPr lang="en-US" altLang="zh-CN" dirty="0">
+              <a:solidFill>
+                <a:schemeClr val="bg1"/>
+              </a:solidFill>
+            </a:endParaRPr>
+          </a:p>
+          <a:p>
+            <a:r>
+              <a:rPr lang="zh-CN" altLang="en-US" dirty="0">
+                <a:solidFill>
+                  <a:schemeClr val="bg1"/>
+                </a:solidFill>
+              </a:rPr>
+              <a:t>可以直接用来操作：</a:t>
+            </a:r>
           </a:p>
           <a:p>
             <a:endParaRPr kumimoji="1" lang="zh-CN" altLang="en-US" dirty="0">
@@ -7883,10 +7834,70 @@
           </a:p>
         </p:txBody>
       </p:sp>
+      <p:pic>
+        <p:nvPicPr>
+          <p:cNvPr id="6" name="图片 5">
+            <a:extLst>
+              <a:ext uri="{FF2B5EF4-FFF2-40B4-BE49-F238E27FC236}">
+                <a16:creationId xmlns:a16="http://schemas.microsoft.com/office/drawing/2014/main" id="{5764D967-CE33-244B-B71F-6CF1AB769272}"/>
+              </a:ext>
+            </a:extLst>
+          </p:cNvPr>
+          <p:cNvPicPr>
+            <a:picLocks noChangeAspect="1"/>
+          </p:cNvPicPr>
+          <p:nvPr/>
+        </p:nvPicPr>
+        <p:blipFill>
+          <a:blip r:embed="rId3"/>
+          <a:stretch>
+            <a:fillRect/>
+          </a:stretch>
+        </p:blipFill>
+        <p:spPr>
+          <a:xfrm>
+            <a:off x="7191000" y="2938849"/>
+            <a:ext cx="5001000" cy="3919151"/>
+          </a:xfrm>
+          <a:prstGeom prst="rect">
+            <a:avLst/>
+          </a:prstGeom>
+        </p:spPr>
+      </p:pic>
+      <p:pic>
+        <p:nvPicPr>
+          <p:cNvPr id="7" name="图片 6">
+            <a:extLst>
+              <a:ext uri="{FF2B5EF4-FFF2-40B4-BE49-F238E27FC236}">
+                <a16:creationId xmlns:a16="http://schemas.microsoft.com/office/drawing/2014/main" id="{51F61271-0341-B44D-9CD4-B0B652199F25}"/>
+              </a:ext>
+            </a:extLst>
+          </p:cNvPr>
+          <p:cNvPicPr>
+            <a:picLocks noChangeAspect="1"/>
+          </p:cNvPicPr>
+          <p:nvPr/>
+        </p:nvPicPr>
+        <p:blipFill>
+          <a:blip r:embed="rId4"/>
+          <a:stretch>
+            <a:fillRect/>
+          </a:stretch>
+        </p:blipFill>
+        <p:spPr>
+          <a:xfrm>
+            <a:off x="7420259" y="81663"/>
+            <a:ext cx="4542481" cy="2764057"/>
+          </a:xfrm>
+          <a:prstGeom prst="rect">
+            <a:avLst/>
+          </a:prstGeom>
+        </p:spPr>
+      </p:pic>
     </p:spTree>
     <p:extLst>
       <p:ext uri="{BB962C8B-B14F-4D97-AF65-F5344CB8AC3E}">
-        <p14:creationId xmlns:p14="http://schemas.microsoft.com/office/powerpoint/2010/main" val="206166012"/>
+        <p14:creationId xmlns:p14="http://schemas.microsoft.com/office/powerpoint/2010/main" val="3181833392"/>
       </p:ext>
     </p:extLst>
   </p:cSld>
@@ -7928,7 +7939,7 @@
           <p:cNvPr id="2" name="标题 1">
             <a:extLst>
               <a:ext uri="{FF2B5EF4-FFF2-40B4-BE49-F238E27FC236}">
-                <a16:creationId xmlns:a16="http://schemas.microsoft.com/office/drawing/2014/main" id="{94778D0A-14FC-EE42-AA50-D5515D50B503}"/>
+                <a16:creationId xmlns:a16="http://schemas.microsoft.com/office/drawing/2014/main" id="{5B21ED28-128A-BB4E-8397-702DB7819CE6}"/>
               </a:ext>
             </a:extLst>
           </p:cNvPr>
@@ -7950,6 +7961,46 @@
                   <a:schemeClr val="bg1"/>
                 </a:solidFill>
               </a:rPr>
+              <a:t>3.</a:t>
+            </a:r>
+            <a:r>
+              <a:rPr kumimoji="1" lang="zh-CN" altLang="en-US" dirty="0">
+                <a:solidFill>
+                  <a:schemeClr val="bg1"/>
+                </a:solidFill>
+              </a:rPr>
+              <a:t>流程控制</a:t>
+            </a:r>
+          </a:p>
+        </p:txBody>
+      </p:sp>
+      <p:sp>
+        <p:nvSpPr>
+          <p:cNvPr id="3" name="内容占位符 2">
+            <a:extLst>
+              <a:ext uri="{FF2B5EF4-FFF2-40B4-BE49-F238E27FC236}">
+                <a16:creationId xmlns:a16="http://schemas.microsoft.com/office/drawing/2014/main" id="{01CAC69E-3E32-4E42-9588-508EA4FBAA77}"/>
+              </a:ext>
+            </a:extLst>
+          </p:cNvPr>
+          <p:cNvSpPr>
+            <a:spLocks noGrp="1"/>
+          </p:cNvSpPr>
+          <p:nvPr>
+            <p:ph idx="1"/>
+          </p:nvPr>
+        </p:nvSpPr>
+        <p:spPr/>
+        <p:txBody>
+          <a:bodyPr/>
+          <a:lstStyle/>
+          <a:p>
+            <a:r>
+              <a:rPr kumimoji="1" lang="en-US" altLang="zh-CN" dirty="0">
+                <a:solidFill>
+                  <a:schemeClr val="bg1"/>
+                </a:solidFill>
+              </a:rPr>
               <a:t>If</a:t>
             </a:r>
             <a:r>
@@ -7958,45 +8009,174 @@
                   <a:schemeClr val="bg1"/>
                 </a:solidFill>
               </a:rPr>
-              <a:t>的使用</a:t>
-            </a:r>
-          </a:p>
-        </p:txBody>
-      </p:sp>
-      <p:pic>
-        <p:nvPicPr>
-          <p:cNvPr id="4" name="图片 3">
-            <a:extLst>
-              <a:ext uri="{FF2B5EF4-FFF2-40B4-BE49-F238E27FC236}">
-                <a16:creationId xmlns:a16="http://schemas.microsoft.com/office/drawing/2014/main" id="{4EE06029-C98F-054E-87B4-0BE4EA13D85E}"/>
-              </a:ext>
-            </a:extLst>
-          </p:cNvPr>
-          <p:cNvPicPr>
-            <a:picLocks noChangeAspect="1"/>
-          </p:cNvPicPr>
-          <p:nvPr/>
-        </p:nvPicPr>
-        <p:blipFill>
-          <a:blip r:embed="rId2"/>
-          <a:stretch>
-            <a:fillRect/>
-          </a:stretch>
-        </p:blipFill>
-        <p:spPr>
-          <a:xfrm>
-            <a:off x="838199" y="1690688"/>
-            <a:ext cx="4882973" cy="4252912"/>
-          </a:xfrm>
-          <a:prstGeom prst="rect">
-            <a:avLst/>
-          </a:prstGeom>
-        </p:spPr>
-      </p:pic>
+              <a:t>语句</a:t>
+            </a:r>
+            <a:endParaRPr kumimoji="1" lang="en-US" altLang="zh-CN" dirty="0">
+              <a:solidFill>
+                <a:schemeClr val="bg1"/>
+              </a:solidFill>
+            </a:endParaRPr>
+          </a:p>
+          <a:p>
+            <a:r>
+              <a:rPr kumimoji="1" lang="en-US" altLang="zh-CN" dirty="0">
+                <a:solidFill>
+                  <a:schemeClr val="bg1"/>
+                </a:solidFill>
+              </a:rPr>
+              <a:t>If</a:t>
+            </a:r>
+            <a:r>
+              <a:rPr kumimoji="1" lang="zh-CN" altLang="en-US" dirty="0">
+                <a:solidFill>
+                  <a:schemeClr val="bg1"/>
+                </a:solidFill>
+              </a:rPr>
+              <a:t> </a:t>
+            </a:r>
+            <a:r>
+              <a:rPr kumimoji="1" lang="en-US" altLang="zh-CN" dirty="0">
+                <a:solidFill>
+                  <a:schemeClr val="bg1"/>
+                </a:solidFill>
+              </a:rPr>
+              <a:t>…else</a:t>
+            </a:r>
+            <a:r>
+              <a:rPr kumimoji="1" lang="zh-CN" altLang="en-US" dirty="0">
+                <a:solidFill>
+                  <a:schemeClr val="bg1"/>
+                </a:solidFill>
+              </a:rPr>
+              <a:t>语句</a:t>
+            </a:r>
+            <a:endParaRPr kumimoji="1" lang="en-US" altLang="zh-CN" dirty="0">
+              <a:solidFill>
+                <a:schemeClr val="bg1"/>
+              </a:solidFill>
+            </a:endParaRPr>
+          </a:p>
+          <a:p>
+            <a:r>
+              <a:rPr kumimoji="1" lang="en-US" altLang="zh-CN" dirty="0">
+                <a:solidFill>
+                  <a:schemeClr val="bg1"/>
+                </a:solidFill>
+              </a:rPr>
+              <a:t>Switch</a:t>
+            </a:r>
+            <a:r>
+              <a:rPr kumimoji="1" lang="zh-CN" altLang="en-US" dirty="0">
+                <a:solidFill>
+                  <a:schemeClr val="bg1"/>
+                </a:solidFill>
+              </a:rPr>
+              <a:t> 语句</a:t>
+            </a:r>
+            <a:endParaRPr kumimoji="1" lang="en-US" altLang="zh-CN" dirty="0">
+              <a:solidFill>
+                <a:schemeClr val="bg1"/>
+              </a:solidFill>
+            </a:endParaRPr>
+          </a:p>
+          <a:p>
+            <a:r>
+              <a:rPr kumimoji="1" lang="en-US" altLang="zh-CN" dirty="0">
+                <a:solidFill>
+                  <a:schemeClr val="bg1"/>
+                </a:solidFill>
+              </a:rPr>
+              <a:t>Select</a:t>
+            </a:r>
+            <a:r>
+              <a:rPr kumimoji="1" lang="zh-CN" altLang="en-US" dirty="0">
+                <a:solidFill>
+                  <a:schemeClr val="bg1"/>
+                </a:solidFill>
+              </a:rPr>
+              <a:t> 语句</a:t>
+            </a:r>
+            <a:endParaRPr kumimoji="1" lang="en-US" altLang="zh-CN" dirty="0">
+              <a:solidFill>
+                <a:schemeClr val="bg1"/>
+              </a:solidFill>
+            </a:endParaRPr>
+          </a:p>
+          <a:p>
+            <a:r>
+              <a:rPr kumimoji="1" lang="en-US" altLang="zh-CN" dirty="0">
+                <a:solidFill>
+                  <a:schemeClr val="bg1"/>
+                </a:solidFill>
+              </a:rPr>
+              <a:t>For</a:t>
+            </a:r>
+            <a:r>
+              <a:rPr kumimoji="1" lang="zh-CN" altLang="en-US" dirty="0">
+                <a:solidFill>
+                  <a:schemeClr val="bg1"/>
+                </a:solidFill>
+              </a:rPr>
+              <a:t> 循环（计次、遍历、无限）</a:t>
+            </a:r>
+            <a:endParaRPr kumimoji="1" lang="en-US" altLang="zh-CN" dirty="0">
+              <a:solidFill>
+                <a:schemeClr val="bg1"/>
+              </a:solidFill>
+            </a:endParaRPr>
+          </a:p>
+          <a:p>
+            <a:endParaRPr kumimoji="1" lang="en-US" altLang="zh-CN" dirty="0">
+              <a:solidFill>
+                <a:schemeClr val="bg1"/>
+              </a:solidFill>
+            </a:endParaRPr>
+          </a:p>
+          <a:p>
+            <a:r>
+              <a:rPr kumimoji="1" lang="zh-CN" altLang="en-US" dirty="0">
+                <a:solidFill>
+                  <a:schemeClr val="bg1"/>
+                </a:solidFill>
+              </a:rPr>
+              <a:t>文档地址：</a:t>
+            </a:r>
+            <a:r>
+              <a:rPr kumimoji="1" lang="en" altLang="zh-CN" dirty="0">
+                <a:solidFill>
+                  <a:schemeClr val="bg1"/>
+                </a:solidFill>
+              </a:rPr>
+              <a:t> </a:t>
+            </a:r>
+            <a:r>
+              <a:rPr kumimoji="1" lang="en" altLang="zh-CN" dirty="0">
+                <a:solidFill>
+                  <a:schemeClr val="bg1"/>
+                </a:solidFill>
+                <a:hlinkClick r:id="rId2"/>
+              </a:rPr>
+              <a:t>http://www.runoob.com/go/go-decision-making.html</a:t>
+            </a:r>
+            <a:endParaRPr kumimoji="1" lang="en" altLang="zh-CN" dirty="0">
+              <a:solidFill>
+                <a:schemeClr val="bg1"/>
+              </a:solidFill>
+            </a:endParaRPr>
+          </a:p>
+          <a:p>
+            <a:endParaRPr kumimoji="1" lang="zh-CN" altLang="en-US" dirty="0">
+              <a:solidFill>
+                <a:schemeClr val="bg1"/>
+              </a:solidFill>
+            </a:endParaRPr>
+          </a:p>
+        </p:txBody>
+      </p:sp>
     </p:spTree>
     <p:extLst>
       <p:ext uri="{BB962C8B-B14F-4D97-AF65-F5344CB8AC3E}">
-        <p14:creationId xmlns:p14="http://schemas.microsoft.com/office/powerpoint/2010/main" val="1510567086"/>
+        <p14:creationId xmlns:p14="http://schemas.microsoft.com/office/powerpoint/2010/main" val="206166012"/>
       </p:ext>
     </p:extLst>
   </p:cSld>
@@ -8038,7 +8218,7 @@
           <p:cNvPr id="2" name="标题 1">
             <a:extLst>
               <a:ext uri="{FF2B5EF4-FFF2-40B4-BE49-F238E27FC236}">
-                <a16:creationId xmlns:a16="http://schemas.microsoft.com/office/drawing/2014/main" id="{50915C40-D3E8-1949-BAD0-F3F6EF6BC42A}"/>
+                <a16:creationId xmlns:a16="http://schemas.microsoft.com/office/drawing/2014/main" id="{94778D0A-14FC-EE42-AA50-D5515D50B503}"/>
               </a:ext>
             </a:extLst>
           </p:cNvPr>
@@ -8060,7 +8240,7 @@
                   <a:schemeClr val="bg1"/>
                 </a:solidFill>
               </a:rPr>
-              <a:t>For</a:t>
+              <a:t>If</a:t>
             </a:r>
             <a:r>
               <a:rPr kumimoji="1" lang="zh-CN" altLang="en-US" dirty="0">
@@ -8078,7 +8258,7 @@
           <p:cNvPr id="4" name="图片 3">
             <a:extLst>
               <a:ext uri="{FF2B5EF4-FFF2-40B4-BE49-F238E27FC236}">
-                <a16:creationId xmlns:a16="http://schemas.microsoft.com/office/drawing/2014/main" id="{E49DA140-2789-FA47-AE00-5AF1CC89D7A3}"/>
+                <a16:creationId xmlns:a16="http://schemas.microsoft.com/office/drawing/2014/main" id="{4EE06029-C98F-054E-87B4-0BE4EA13D85E}"/>
               </a:ext>
             </a:extLst>
           </p:cNvPr>
@@ -8095,8 +8275,8 @@
         </p:blipFill>
         <p:spPr>
           <a:xfrm>
-            <a:off x="838200" y="1541505"/>
-            <a:ext cx="4252784" cy="5014199"/>
+            <a:off x="838199" y="1690688"/>
+            <a:ext cx="4882973" cy="4252912"/>
           </a:xfrm>
           <a:prstGeom prst="rect">
             <a:avLst/>
@@ -8106,7 +8286,7 @@
     </p:spTree>
     <p:extLst>
       <p:ext uri="{BB962C8B-B14F-4D97-AF65-F5344CB8AC3E}">
-        <p14:creationId xmlns:p14="http://schemas.microsoft.com/office/powerpoint/2010/main" val="3042421628"/>
+        <p14:creationId xmlns:p14="http://schemas.microsoft.com/office/powerpoint/2010/main" val="1510567086"/>
       </p:ext>
     </p:extLst>
   </p:cSld>
@@ -8148,7 +8328,7 @@
           <p:cNvPr id="2" name="标题 1">
             <a:extLst>
               <a:ext uri="{FF2B5EF4-FFF2-40B4-BE49-F238E27FC236}">
-                <a16:creationId xmlns:a16="http://schemas.microsoft.com/office/drawing/2014/main" id="{41BC173C-5071-524B-8B82-D8E2A3174AF2}"/>
+                <a16:creationId xmlns:a16="http://schemas.microsoft.com/office/drawing/2014/main" id="{50915C40-D3E8-1949-BAD0-F3F6EF6BC42A}"/>
               </a:ext>
             </a:extLst>
           </p:cNvPr>
@@ -8170,122 +8350,16 @@
                   <a:schemeClr val="bg1"/>
                 </a:solidFill>
               </a:rPr>
-              <a:t>4.</a:t>
-            </a:r>
-            <a:r>
-              <a:rPr kumimoji="1" lang="zh-CN" altLang="en-US" dirty="0">
-                <a:solidFill>
-                  <a:schemeClr val="bg1"/>
-                </a:solidFill>
-              </a:rPr>
-              <a:t>函数</a:t>
-            </a:r>
-          </a:p>
-        </p:txBody>
-      </p:sp>
-      <p:sp>
-        <p:nvSpPr>
-          <p:cNvPr id="3" name="内容占位符 2">
-            <a:extLst>
-              <a:ext uri="{FF2B5EF4-FFF2-40B4-BE49-F238E27FC236}">
-                <a16:creationId xmlns:a16="http://schemas.microsoft.com/office/drawing/2014/main" id="{3562E72D-052C-1048-9791-E1DEE4AF731C}"/>
-              </a:ext>
-            </a:extLst>
-          </p:cNvPr>
-          <p:cNvSpPr>
-            <a:spLocks noGrp="1"/>
-          </p:cNvSpPr>
-          <p:nvPr>
-            <p:ph idx="1"/>
-          </p:nvPr>
-        </p:nvSpPr>
-        <p:spPr>
-          <a:xfrm>
-            <a:off x="838200" y="1825625"/>
-            <a:ext cx="10515600" cy="1967899"/>
-          </a:xfrm>
-        </p:spPr>
-        <p:txBody>
-          <a:bodyPr/>
-          <a:lstStyle/>
-          <a:p>
-            <a:r>
-              <a:rPr kumimoji="1" lang="en-US" altLang="zh-CN" dirty="0">
-                <a:solidFill>
-                  <a:schemeClr val="bg1"/>
-                </a:solidFill>
-              </a:rPr>
-              <a:t> </a:t>
-            </a:r>
-            <a:r>
-              <a:rPr kumimoji="1" lang="en-US" altLang="zh-CN" dirty="0" err="1">
-                <a:solidFill>
-                  <a:schemeClr val="bg1"/>
-                </a:solidFill>
-              </a:rPr>
-              <a:t>func</a:t>
-            </a:r>
-            <a:r>
-              <a:rPr kumimoji="1" lang="zh-CN" altLang="en-US" dirty="0">
-                <a:solidFill>
-                  <a:schemeClr val="bg1"/>
-                </a:solidFill>
-              </a:rPr>
-              <a:t>定义函数 例如 </a:t>
-            </a:r>
-            <a:r>
-              <a:rPr kumimoji="1" lang="en-US" altLang="zh-CN" dirty="0" err="1">
-                <a:solidFill>
-                  <a:schemeClr val="bg1"/>
-                </a:solidFill>
-              </a:rPr>
-              <a:t>func</a:t>
-            </a:r>
-            <a:r>
-              <a:rPr kumimoji="1" lang="en-US" altLang="zh-CN" dirty="0">
-                <a:solidFill>
-                  <a:schemeClr val="bg1"/>
-                </a:solidFill>
-              </a:rPr>
-              <a:t> test() {}</a:t>
-            </a:r>
-          </a:p>
-          <a:p>
-            <a:r>
-              <a:rPr kumimoji="1" lang="zh-CN" altLang="en-US" dirty="0">
-                <a:solidFill>
-                  <a:schemeClr val="bg1"/>
-                </a:solidFill>
-              </a:rPr>
-              <a:t>函数名首字母大写 就是公开</a:t>
-            </a:r>
-            <a:endParaRPr kumimoji="1" lang="en-US" altLang="zh-CN" dirty="0">
-              <a:solidFill>
-                <a:schemeClr val="bg1"/>
-              </a:solidFill>
-            </a:endParaRPr>
-          </a:p>
-          <a:p>
-            <a:r>
-              <a:rPr kumimoji="1" lang="zh-CN" altLang="en-US" dirty="0">
-                <a:solidFill>
-                  <a:schemeClr val="bg1"/>
-                </a:solidFill>
-              </a:rPr>
-              <a:t>函数名首字母小写 就是私有</a:t>
-            </a:r>
-            <a:endParaRPr kumimoji="1" lang="en-US" altLang="zh-CN" dirty="0">
-              <a:solidFill>
-                <a:schemeClr val="bg1"/>
-              </a:solidFill>
-            </a:endParaRPr>
-          </a:p>
-          <a:p>
-            <a:endParaRPr kumimoji="1" lang="en-US" altLang="zh-CN" dirty="0">
-              <a:solidFill>
-                <a:schemeClr val="bg1"/>
-              </a:solidFill>
-            </a:endParaRPr>
+              <a:t>For</a:t>
+            </a:r>
+            <a:r>
+              <a:rPr kumimoji="1" lang="zh-CN" altLang="en-US" dirty="0">
+                <a:solidFill>
+                  <a:schemeClr val="bg1"/>
+                </a:solidFill>
+              </a:rPr>
+              <a:t>的使用</a:t>
+            </a:r>
           </a:p>
         </p:txBody>
       </p:sp>
@@ -8294,7 +8368,7 @@
           <p:cNvPr id="4" name="图片 3">
             <a:extLst>
               <a:ext uri="{FF2B5EF4-FFF2-40B4-BE49-F238E27FC236}">
-                <a16:creationId xmlns:a16="http://schemas.microsoft.com/office/drawing/2014/main" id="{C38390FB-FAEC-204E-8289-A37788259DD2}"/>
+                <a16:creationId xmlns:a16="http://schemas.microsoft.com/office/drawing/2014/main" id="{E49DA140-2789-FA47-AE00-5AF1CC89D7A3}"/>
               </a:ext>
             </a:extLst>
           </p:cNvPr>
@@ -8311,8 +8385,8 @@
         </p:blipFill>
         <p:spPr>
           <a:xfrm>
-            <a:off x="5598984" y="3035814"/>
-            <a:ext cx="6494162" cy="3666962"/>
+            <a:off x="838200" y="1541505"/>
+            <a:ext cx="4252784" cy="5014199"/>
           </a:xfrm>
           <a:prstGeom prst="rect">
             <a:avLst/>
@@ -8322,7 +8396,7 @@
     </p:spTree>
     <p:extLst>
       <p:ext uri="{BB962C8B-B14F-4D97-AF65-F5344CB8AC3E}">
-        <p14:creationId xmlns:p14="http://schemas.microsoft.com/office/powerpoint/2010/main" val="1558432210"/>
+        <p14:creationId xmlns:p14="http://schemas.microsoft.com/office/powerpoint/2010/main" val="3042421628"/>
       </p:ext>
     </p:extLst>
   </p:cSld>
@@ -8364,7 +8438,7 @@
           <p:cNvPr id="2" name="标题 1">
             <a:extLst>
               <a:ext uri="{FF2B5EF4-FFF2-40B4-BE49-F238E27FC236}">
-                <a16:creationId xmlns:a16="http://schemas.microsoft.com/office/drawing/2014/main" id="{B10E322B-9C17-364B-9B38-DCAAB25BDC5B}"/>
+                <a16:creationId xmlns:a16="http://schemas.microsoft.com/office/drawing/2014/main" id="{41BC173C-5071-524B-8B82-D8E2A3174AF2}"/>
               </a:ext>
             </a:extLst>
           </p:cNvPr>
@@ -8386,15 +8460,15 @@
                   <a:schemeClr val="bg1"/>
                 </a:solidFill>
               </a:rPr>
-              <a:t>5</a:t>
-            </a:r>
-            <a:r>
-              <a:rPr kumimoji="1" lang="zh-CN" altLang="en-US" dirty="0">
-                <a:solidFill>
-                  <a:schemeClr val="bg1"/>
-                </a:solidFill>
-              </a:rPr>
-              <a:t>并发协程</a:t>
+              <a:t>4.</a:t>
+            </a:r>
+            <a:r>
+              <a:rPr kumimoji="1" lang="zh-CN" altLang="en-US" dirty="0">
+                <a:solidFill>
+                  <a:schemeClr val="bg1"/>
+                </a:solidFill>
+              </a:rPr>
+              <a:t>函数</a:t>
             </a:r>
           </a:p>
         </p:txBody>
@@ -8404,7 +8478,7 @@
           <p:cNvPr id="3" name="内容占位符 2">
             <a:extLst>
               <a:ext uri="{FF2B5EF4-FFF2-40B4-BE49-F238E27FC236}">
-                <a16:creationId xmlns:a16="http://schemas.microsoft.com/office/drawing/2014/main" id="{DBCB65C9-CE1F-FE48-84CC-4585DD7A5B21}"/>
+                <a16:creationId xmlns:a16="http://schemas.microsoft.com/office/drawing/2014/main" id="{3562E72D-052C-1048-9791-E1DEE4AF731C}"/>
               </a:ext>
             </a:extLst>
           </p:cNvPr>
@@ -8415,34 +8489,47 @@
             <p:ph idx="1"/>
           </p:nvPr>
         </p:nvSpPr>
-        <p:spPr/>
+        <p:spPr>
+          <a:xfrm>
+            <a:off x="838200" y="1825625"/>
+            <a:ext cx="10515600" cy="1967899"/>
+          </a:xfrm>
+        </p:spPr>
         <p:txBody>
           <a:bodyPr/>
           <a:lstStyle/>
           <a:p>
             <a:r>
-              <a:rPr kumimoji="1" lang="zh-CN" altLang="en-US" dirty="0">
-                <a:solidFill>
-                  <a:schemeClr val="bg1"/>
-                </a:solidFill>
-              </a:rPr>
-              <a:t>关键字 </a:t>
-            </a:r>
-            <a:r>
               <a:rPr kumimoji="1" lang="en-US" altLang="zh-CN" dirty="0">
                 <a:solidFill>
                   <a:schemeClr val="bg1"/>
                 </a:solidFill>
               </a:rPr>
-              <a:t>go </a:t>
-            </a:r>
-            <a:r>
-              <a:rPr kumimoji="1" lang="zh-CN" altLang="en-US" dirty="0">
-                <a:solidFill>
-                  <a:schemeClr val="bg1"/>
-                </a:solidFill>
-              </a:rPr>
-              <a:t>函数名</a:t>
+              <a:t> </a:t>
+            </a:r>
+            <a:r>
+              <a:rPr kumimoji="1" lang="en-US" altLang="zh-CN" dirty="0" err="1">
+                <a:solidFill>
+                  <a:schemeClr val="bg1"/>
+                </a:solidFill>
+              </a:rPr>
+              <a:t>func</a:t>
+            </a:r>
+            <a:r>
+              <a:rPr kumimoji="1" lang="zh-CN" altLang="en-US" dirty="0">
+                <a:solidFill>
+                  <a:schemeClr val="bg1"/>
+                </a:solidFill>
+              </a:rPr>
+              <a:t>定义函数 例如 </a:t>
+            </a:r>
+            <a:r>
+              <a:rPr kumimoji="1" lang="en-US" altLang="zh-CN" dirty="0" err="1">
+                <a:solidFill>
+                  <a:schemeClr val="bg1"/>
+                </a:solidFill>
+              </a:rPr>
+              <a:t>func</a:t>
             </a:r>
             <a:r>
               <a:rPr kumimoji="1" lang="en-US" altLang="zh-CN" dirty="0">
@@ -8450,37 +8537,17 @@
                   <a:schemeClr val="bg1"/>
                 </a:solidFill>
               </a:rPr>
-              <a:t>()</a:t>
-            </a:r>
-          </a:p>
-          <a:p>
-            <a:r>
-              <a:rPr kumimoji="1" lang="en-US" altLang="zh-CN" dirty="0">
-                <a:solidFill>
-                  <a:schemeClr val="bg1"/>
-                </a:solidFill>
-              </a:rPr>
-              <a:t>goroutine</a:t>
-            </a:r>
-          </a:p>
-          <a:p>
-            <a:r>
-              <a:rPr kumimoji="1" lang="en-US" altLang="zh-CN" dirty="0">
-                <a:solidFill>
-                  <a:schemeClr val="bg1"/>
-                </a:solidFill>
-              </a:rPr>
-              <a:t>Channel</a:t>
-            </a:r>
-          </a:p>
-          <a:p>
-            <a:r>
-              <a:rPr kumimoji="1" lang="zh-CN" altLang="en-US" dirty="0">
-                <a:solidFill>
-                  <a:schemeClr val="bg1"/>
-                </a:solidFill>
-              </a:rPr>
-              <a:t>并发思想</a:t>
+              <a:t> test() {}</a:t>
+            </a:r>
+          </a:p>
+          <a:p>
+            <a:r>
+              <a:rPr kumimoji="1" lang="zh-CN" altLang="en-US" dirty="0">
+                <a:solidFill>
+                  <a:schemeClr val="bg1"/>
+                </a:solidFill>
+              </a:rPr>
+              <a:t>函数名首字母大写 就是公开</a:t>
             </a:r>
             <a:endParaRPr kumimoji="1" lang="en-US" altLang="zh-CN" dirty="0">
               <a:solidFill>
@@ -8488,12 +8555,64 @@
               </a:solidFill>
             </a:endParaRPr>
           </a:p>
-        </p:txBody>
-      </p:sp>
+          <a:p>
+            <a:r>
+              <a:rPr kumimoji="1" lang="zh-CN" altLang="en-US" dirty="0">
+                <a:solidFill>
+                  <a:schemeClr val="bg1"/>
+                </a:solidFill>
+              </a:rPr>
+              <a:t>函数名首字母小写 就是私有</a:t>
+            </a:r>
+            <a:endParaRPr kumimoji="1" lang="en-US" altLang="zh-CN" dirty="0">
+              <a:solidFill>
+                <a:schemeClr val="bg1"/>
+              </a:solidFill>
+            </a:endParaRPr>
+          </a:p>
+          <a:p>
+            <a:endParaRPr kumimoji="1" lang="en-US" altLang="zh-CN" dirty="0">
+              <a:solidFill>
+                <a:schemeClr val="bg1"/>
+              </a:solidFill>
+            </a:endParaRPr>
+          </a:p>
+        </p:txBody>
+      </p:sp>
+      <p:pic>
+        <p:nvPicPr>
+          <p:cNvPr id="4" name="图片 3">
+            <a:extLst>
+              <a:ext uri="{FF2B5EF4-FFF2-40B4-BE49-F238E27FC236}">
+                <a16:creationId xmlns:a16="http://schemas.microsoft.com/office/drawing/2014/main" id="{C38390FB-FAEC-204E-8289-A37788259DD2}"/>
+              </a:ext>
+            </a:extLst>
+          </p:cNvPr>
+          <p:cNvPicPr>
+            <a:picLocks noChangeAspect="1"/>
+          </p:cNvPicPr>
+          <p:nvPr/>
+        </p:nvPicPr>
+        <p:blipFill>
+          <a:blip r:embed="rId2"/>
+          <a:stretch>
+            <a:fillRect/>
+          </a:stretch>
+        </p:blipFill>
+        <p:spPr>
+          <a:xfrm>
+            <a:off x="5598984" y="3035814"/>
+            <a:ext cx="6494162" cy="3666962"/>
+          </a:xfrm>
+          <a:prstGeom prst="rect">
+            <a:avLst/>
+          </a:prstGeom>
+        </p:spPr>
+      </p:pic>
     </p:spTree>
     <p:extLst>
       <p:ext uri="{BB962C8B-B14F-4D97-AF65-F5344CB8AC3E}">
-        <p14:creationId xmlns:p14="http://schemas.microsoft.com/office/powerpoint/2010/main" val="355912881"/>
+        <p14:creationId xmlns:p14="http://schemas.microsoft.com/office/powerpoint/2010/main" val="1558432210"/>
       </p:ext>
     </p:extLst>
   </p:cSld>
@@ -8535,7 +8654,7 @@
           <p:cNvPr id="2" name="标题 1">
             <a:extLst>
               <a:ext uri="{FF2B5EF4-FFF2-40B4-BE49-F238E27FC236}">
-                <a16:creationId xmlns:a16="http://schemas.microsoft.com/office/drawing/2014/main" id="{0E4DD3C2-FB21-A441-8C83-786AB80ACEFC}"/>
+                <a16:creationId xmlns:a16="http://schemas.microsoft.com/office/drawing/2014/main" id="{B10E322B-9C17-364B-9B38-DCAAB25BDC5B}"/>
               </a:ext>
             </a:extLst>
           </p:cNvPr>
@@ -8552,12 +8671,20 @@
           <a:lstStyle/>
           <a:p>
             <a:r>
-              <a:rPr kumimoji="1" lang="zh-CN" altLang="en-US" dirty="0">
-                <a:solidFill>
-                  <a:schemeClr val="bg1"/>
-                </a:solidFill>
-              </a:rPr>
-              <a:t>四、面向对象</a:t>
+              <a:rPr kumimoji="1" lang="en-US" altLang="zh-CN" dirty="0">
+                <a:solidFill>
+                  <a:schemeClr val="bg1"/>
+                </a:solidFill>
+              </a:rPr>
+              <a:t>5</a:t>
+            </a:r>
+            <a:r>
+              <a:rPr kumimoji="1" lang="zh-CN" altLang="en-US" dirty="0">
+                <a:solidFill>
+                  <a:schemeClr val="bg1"/>
+                </a:solidFill>
+              </a:rPr>
+              <a:t>并发协程</a:t>
             </a:r>
           </a:p>
         </p:txBody>
@@ -8567,7 +8694,7 @@
           <p:cNvPr id="3" name="内容占位符 2">
             <a:extLst>
               <a:ext uri="{FF2B5EF4-FFF2-40B4-BE49-F238E27FC236}">
-                <a16:creationId xmlns:a16="http://schemas.microsoft.com/office/drawing/2014/main" id="{5ADA8B8F-7B0C-DE40-B73E-BE151E5BDE18}"/>
+                <a16:creationId xmlns:a16="http://schemas.microsoft.com/office/drawing/2014/main" id="{DBCB65C9-CE1F-FE48-84CC-4585DD7A5B21}"/>
               </a:ext>
             </a:extLst>
           </p:cNvPr>
@@ -8584,30 +8711,66 @@
           <a:lstStyle/>
           <a:p>
             <a:r>
+              <a:rPr kumimoji="1" lang="zh-CN" altLang="en-US" dirty="0">
+                <a:solidFill>
+                  <a:schemeClr val="bg1"/>
+                </a:solidFill>
+              </a:rPr>
+              <a:t>关键字 </a:t>
+            </a:r>
+            <a:r>
               <a:rPr kumimoji="1" lang="en-US" altLang="zh-CN" dirty="0">
                 <a:solidFill>
                   <a:schemeClr val="bg1"/>
                 </a:solidFill>
               </a:rPr>
-              <a:t>1.struct</a:t>
-            </a:r>
-          </a:p>
-          <a:p>
+              <a:t>go </a:t>
+            </a:r>
+            <a:r>
+              <a:rPr kumimoji="1" lang="zh-CN" altLang="en-US" dirty="0">
+                <a:solidFill>
+                  <a:schemeClr val="bg1"/>
+                </a:solidFill>
+              </a:rPr>
+              <a:t>函数名</a:t>
+            </a:r>
             <a:r>
               <a:rPr kumimoji="1" lang="en-US" altLang="zh-CN" dirty="0">
                 <a:solidFill>
                   <a:schemeClr val="bg1"/>
                 </a:solidFill>
               </a:rPr>
-              <a:t>2.</a:t>
-            </a:r>
-            <a:r>
-              <a:rPr kumimoji="1" lang="zh-CN" altLang="en-US" dirty="0">
-                <a:solidFill>
-                  <a:schemeClr val="bg1"/>
-                </a:solidFill>
-              </a:rPr>
-              <a:t>实例化方法</a:t>
+              <a:t>()</a:t>
+            </a:r>
+          </a:p>
+          <a:p>
+            <a:r>
+              <a:rPr kumimoji="1" lang="en-US" altLang="zh-CN" dirty="0">
+                <a:solidFill>
+                  <a:schemeClr val="bg1"/>
+                </a:solidFill>
+              </a:rPr>
+              <a:t>goroutine</a:t>
+            </a:r>
+          </a:p>
+          <a:p>
+            <a:r>
+              <a:rPr kumimoji="1" lang="en-US" altLang="zh-CN" dirty="0">
+                <a:solidFill>
+                  <a:schemeClr val="bg1"/>
+                </a:solidFill>
+              </a:rPr>
+              <a:t>Channel</a:t>
+            </a:r>
+          </a:p>
+          <a:p>
+            <a:r>
+              <a:rPr kumimoji="1" lang="zh-CN" altLang="en-US" dirty="0">
+                <a:solidFill>
+                  <a:schemeClr val="bg1"/>
+                </a:solidFill>
+              </a:rPr>
+              <a:t>并发思想</a:t>
             </a:r>
             <a:endParaRPr kumimoji="1" lang="en-US" altLang="zh-CN" dirty="0">
               <a:solidFill>
@@ -8616,22 +8779,6 @@
             </a:endParaRPr>
           </a:p>
           <a:p>
-            <a:r>
-              <a:rPr kumimoji="1" lang="en-US" altLang="zh-CN" dirty="0">
-                <a:solidFill>
-                  <a:schemeClr val="bg1"/>
-                </a:solidFill>
-              </a:rPr>
-              <a:t>3.</a:t>
-            </a:r>
-            <a:r>
-              <a:rPr kumimoji="1" lang="zh-CN" altLang="en-US" dirty="0">
-                <a:solidFill>
-                  <a:schemeClr val="bg1"/>
-                </a:solidFill>
-              </a:rPr>
-              <a:t>继承</a:t>
-            </a:r>
             <a:endParaRPr kumimoji="1" lang="en-US" altLang="zh-CN" dirty="0">
               <a:solidFill>
                 <a:schemeClr val="bg1"/>
@@ -8645,15 +8792,177 @@
                   <a:schemeClr val="bg1"/>
                 </a:solidFill>
               </a:rPr>
-              <a:t>4.</a:t>
-            </a:r>
-            <a:r>
-              <a:rPr kumimoji="1" lang="zh-CN" altLang="en-US" dirty="0">
-                <a:solidFill>
-                  <a:schemeClr val="bg1"/>
-                </a:solidFill>
-              </a:rPr>
-              <a:t>重写</a:t>
+              <a:t>go get </a:t>
+            </a:r>
+            <a:r>
+              <a:rPr kumimoji="1" lang="en-US" altLang="zh-CN" dirty="0" err="1">
+                <a:solidFill>
+                  <a:schemeClr val="bg1"/>
+                </a:solidFill>
+              </a:rPr>
+              <a:t>github.com</a:t>
+            </a:r>
+            <a:r>
+              <a:rPr kumimoji="1" lang="en-US" altLang="zh-CN" dirty="0">
+                <a:solidFill>
+                  <a:schemeClr val="bg1"/>
+                </a:solidFill>
+              </a:rPr>
+              <a:t>/</a:t>
+            </a:r>
+            <a:r>
+              <a:rPr kumimoji="1" lang="en-US" altLang="zh-CN" dirty="0" err="1">
+                <a:solidFill>
+                  <a:schemeClr val="bg1"/>
+                </a:solidFill>
+              </a:rPr>
+              <a:t>melonws</a:t>
+            </a:r>
+            <a:r>
+              <a:rPr kumimoji="1" lang="en-US" altLang="zh-CN" dirty="0">
+                <a:solidFill>
+                  <a:schemeClr val="bg1"/>
+                </a:solidFill>
+              </a:rPr>
+              <a:t>/</a:t>
+            </a:r>
+            <a:r>
+              <a:rPr kumimoji="1" lang="en-US" altLang="zh-CN" dirty="0" err="1">
+                <a:solidFill>
+                  <a:schemeClr val="bg1"/>
+                </a:solidFill>
+              </a:rPr>
+              <a:t>goweb</a:t>
+            </a:r>
+            <a:r>
+              <a:rPr kumimoji="1" lang="en-US" altLang="zh-CN" dirty="0">
+                <a:solidFill>
+                  <a:schemeClr val="bg1"/>
+                </a:solidFill>
+              </a:rPr>
+              <a:t> </a:t>
+            </a:r>
+          </a:p>
+        </p:txBody>
+      </p:sp>
+    </p:spTree>
+    <p:extLst>
+      <p:ext uri="{BB962C8B-B14F-4D97-AF65-F5344CB8AC3E}">
+        <p14:creationId xmlns:p14="http://schemas.microsoft.com/office/powerpoint/2010/main" val="355912881"/>
+      </p:ext>
+    </p:extLst>
+  </p:cSld>
+  <p:clrMapOvr>
+    <a:masterClrMapping/>
+  </p:clrMapOvr>
+</p:sld>
+</file>
+
+<file path=ppt/slides/slide28.xml><?xml version="1.0" encoding="utf-8"?>
+<p:sld xmlns:a="http://schemas.openxmlformats.org/drawingml/2006/main" xmlns:r="http://schemas.openxmlformats.org/officeDocument/2006/relationships" xmlns:p="http://schemas.openxmlformats.org/presentationml/2006/main">
+  <p:cSld>
+    <p:bg>
+      <p:bgPr>
+        <a:solidFill>
+          <a:schemeClr val="bg2">
+            <a:lumMod val="25000"/>
+          </a:schemeClr>
+        </a:solidFill>
+        <a:effectLst/>
+      </p:bgPr>
+    </p:bg>
+    <p:spTree>
+      <p:nvGrpSpPr>
+        <p:cNvPr id="1" name=""/>
+        <p:cNvGrpSpPr/>
+        <p:nvPr/>
+      </p:nvGrpSpPr>
+      <p:grpSpPr>
+        <a:xfrm>
+          <a:off x="0" y="0"/>
+          <a:ext cx="0" cy="0"/>
+          <a:chOff x="0" y="0"/>
+          <a:chExt cx="0" cy="0"/>
+        </a:xfrm>
+      </p:grpSpPr>
+      <p:sp>
+        <p:nvSpPr>
+          <p:cNvPr id="2" name="标题 1">
+            <a:extLst>
+              <a:ext uri="{FF2B5EF4-FFF2-40B4-BE49-F238E27FC236}">
+                <a16:creationId xmlns:a16="http://schemas.microsoft.com/office/drawing/2014/main" id="{0E4DD3C2-FB21-A441-8C83-786AB80ACEFC}"/>
+              </a:ext>
+            </a:extLst>
+          </p:cNvPr>
+          <p:cNvSpPr>
+            <a:spLocks noGrp="1"/>
+          </p:cNvSpPr>
+          <p:nvPr>
+            <p:ph type="title"/>
+          </p:nvPr>
+        </p:nvSpPr>
+        <p:spPr/>
+        <p:txBody>
+          <a:bodyPr/>
+          <a:lstStyle/>
+          <a:p>
+            <a:r>
+              <a:rPr kumimoji="1" lang="zh-CN" altLang="en-US" dirty="0">
+                <a:solidFill>
+                  <a:schemeClr val="bg1"/>
+                </a:solidFill>
+              </a:rPr>
+              <a:t>四、面向对象</a:t>
+            </a:r>
+          </a:p>
+        </p:txBody>
+      </p:sp>
+      <p:sp>
+        <p:nvSpPr>
+          <p:cNvPr id="3" name="内容占位符 2">
+            <a:extLst>
+              <a:ext uri="{FF2B5EF4-FFF2-40B4-BE49-F238E27FC236}">
+                <a16:creationId xmlns:a16="http://schemas.microsoft.com/office/drawing/2014/main" id="{5ADA8B8F-7B0C-DE40-B73E-BE151E5BDE18}"/>
+              </a:ext>
+            </a:extLst>
+          </p:cNvPr>
+          <p:cNvSpPr>
+            <a:spLocks noGrp="1"/>
+          </p:cNvSpPr>
+          <p:nvPr>
+            <p:ph idx="1"/>
+          </p:nvPr>
+        </p:nvSpPr>
+        <p:spPr/>
+        <p:txBody>
+          <a:bodyPr/>
+          <a:lstStyle/>
+          <a:p>
+            <a:r>
+              <a:rPr kumimoji="1" lang="en-US" altLang="zh-CN" dirty="0">
+                <a:solidFill>
+                  <a:schemeClr val="bg1"/>
+                </a:solidFill>
+              </a:rPr>
+              <a:t>1.struct</a:t>
+            </a:r>
+          </a:p>
+          <a:p>
+            <a:r>
+              <a:rPr kumimoji="1" lang="en-US" altLang="zh-CN" dirty="0">
+                <a:solidFill>
+                  <a:schemeClr val="bg1"/>
+                </a:solidFill>
+              </a:rPr>
+              <a:t>2.</a:t>
+            </a:r>
+            <a:r>
+              <a:rPr kumimoji="1" lang="zh-CN" altLang="en-US" dirty="0">
+                <a:solidFill>
+                  <a:schemeClr val="bg1"/>
+                </a:solidFill>
+              </a:rPr>
+              <a:t>实例化方法</a:t>
             </a:r>
             <a:endParaRPr kumimoji="1" lang="en-US" altLang="zh-CN" dirty="0">
               <a:solidFill>
@@ -8668,6 +8977,52 @@
                   <a:schemeClr val="bg1"/>
                 </a:solidFill>
               </a:rPr>
+              <a:t>3.</a:t>
+            </a:r>
+            <a:r>
+              <a:rPr kumimoji="1" lang="zh-CN" altLang="en-US" dirty="0">
+                <a:solidFill>
+                  <a:schemeClr val="bg1"/>
+                </a:solidFill>
+              </a:rPr>
+              <a:t>继承</a:t>
+            </a:r>
+            <a:endParaRPr kumimoji="1" lang="en-US" altLang="zh-CN" dirty="0">
+              <a:solidFill>
+                <a:schemeClr val="bg1"/>
+              </a:solidFill>
+            </a:endParaRPr>
+          </a:p>
+          <a:p>
+            <a:r>
+              <a:rPr kumimoji="1" lang="en-US" altLang="zh-CN" dirty="0">
+                <a:solidFill>
+                  <a:schemeClr val="bg1"/>
+                </a:solidFill>
+              </a:rPr>
+              <a:t>4.</a:t>
+            </a:r>
+            <a:r>
+              <a:rPr kumimoji="1" lang="zh-CN" altLang="en-US" dirty="0">
+                <a:solidFill>
+                  <a:schemeClr val="bg1"/>
+                </a:solidFill>
+              </a:rPr>
+              <a:t>重写</a:t>
+            </a:r>
+            <a:endParaRPr kumimoji="1" lang="en-US" altLang="zh-CN" dirty="0">
+              <a:solidFill>
+                <a:schemeClr val="bg1"/>
+              </a:solidFill>
+            </a:endParaRPr>
+          </a:p>
+          <a:p>
+            <a:r>
+              <a:rPr kumimoji="1" lang="en-US" altLang="zh-CN" dirty="0">
+                <a:solidFill>
+                  <a:schemeClr val="bg1"/>
+                </a:solidFill>
+              </a:rPr>
               <a:t>5.</a:t>
             </a:r>
             <a:r>
@@ -8676,8 +9031,18 @@
                   <a:schemeClr val="bg1"/>
                 </a:solidFill>
               </a:rPr>
-              <a:t>多肽</a:t>
-            </a:r>
+              <a:t>多态</a:t>
+            </a:r>
+            <a:endParaRPr kumimoji="1" lang="en-US" altLang="zh-CN" dirty="0">
+              <a:solidFill>
+                <a:schemeClr val="bg1"/>
+              </a:solidFill>
+            </a:endParaRPr>
+          </a:p>
+          <a:p>
+            <a:pPr marL="0" indent="0">
+              <a:buNone/>
+            </a:pPr>
             <a:endParaRPr kumimoji="1" lang="en-US" altLang="zh-CN" dirty="0">
               <a:solidFill>
                 <a:schemeClr val="bg1"/>
